--- a/day3.pptx
+++ b/day3.pptx
@@ -5,7 +5,7 @@
     <p:sldMasterId id="2147483702" r:id="rId1"/>
   </p:sldMasterIdLst>
   <p:notesMasterIdLst>
-    <p:notesMasterId r:id="rId22"/>
+    <p:notesMasterId r:id="rId19"/>
   </p:notesMasterIdLst>
   <p:sldIdLst>
     <p:sldId id="286" r:id="rId2"/>
@@ -25,9 +25,6 @@
     <p:sldId id="292" r:id="rId16"/>
     <p:sldId id="293" r:id="rId17"/>
     <p:sldId id="294" r:id="rId18"/>
-    <p:sldId id="295" r:id="rId19"/>
-    <p:sldId id="296" r:id="rId20"/>
-    <p:sldId id="297" r:id="rId21"/>
   </p:sldIdLst>
   <p:sldSz cx="10693400" cy="7556500"/>
   <p:notesSz cx="10693400" cy="7556500"/>
@@ -12610,7 +12607,7 @@
         <a:lstStyle/>
         <a:p>
           <a:r>
-            <a:rPr lang="en-IN"/>
+            <a:rPr lang="en-IN" dirty="0"/>
             <a:t>Normal LLMs give one-shot responses</a:t>
           </a:r>
         </a:p>
@@ -13028,7 +13025,7 @@
         <a:lstStyle/>
         <a:p>
           <a:r>
-            <a:rPr lang="en-IN"/>
+            <a:rPr lang="en-IN" dirty="0"/>
             <a:t>Act: Calls an external tool</a:t>
           </a:r>
         </a:p>
@@ -13064,7 +13061,7 @@
         <a:lstStyle/>
         <a:p>
           <a:r>
-            <a:rPr lang="en-IN"/>
+            <a:rPr lang="en-IN" dirty="0"/>
             <a:t>Observe: Reads tool output</a:t>
           </a:r>
         </a:p>
@@ -13100,7 +13097,7 @@
         <a:lstStyle/>
         <a:p>
           <a:r>
-            <a:rPr lang="en-IN"/>
+            <a:rPr lang="en-IN" dirty="0"/>
             <a:t>Reflect: Adjusts next move</a:t>
           </a:r>
         </a:p>
@@ -13136,7 +13133,7 @@
         <a:lstStyle/>
         <a:p>
           <a:r>
-            <a:rPr lang="en-IN"/>
+            <a:rPr lang="en-IN" dirty="0"/>
             <a:t>Repeat: Continues until final result</a:t>
           </a:r>
         </a:p>
@@ -13325,7 +13322,7 @@
         <a:lstStyle/>
         <a:p>
           <a:r>
-            <a:rPr lang="en-IN"/>
+            <a:rPr lang="en-IN" dirty="0"/>
             <a:t>Calculate percentage change</a:t>
           </a:r>
         </a:p>
@@ -13361,7 +13358,7 @@
         <a:lstStyle/>
         <a:p>
           <a:r>
-            <a:rPr lang="en-IN"/>
+            <a:rPr lang="en-IN" dirty="0"/>
             <a:t>Combine results</a:t>
           </a:r>
         </a:p>
@@ -13397,7 +13394,7 @@
         <a:lstStyle/>
         <a:p>
           <a:r>
-            <a:rPr lang="en-IN"/>
+            <a:rPr lang="en-IN" dirty="0"/>
             <a:t>Loop until done</a:t>
           </a:r>
         </a:p>
@@ -13533,7 +13530,7 @@
         <a:lstStyle/>
         <a:p>
           <a:r>
-            <a:rPr lang="en-IN"/>
+            <a:rPr lang="en-IN" dirty="0"/>
             <a:t>Framework to build LLM-powered apps</a:t>
           </a:r>
         </a:p>
@@ -16914,7 +16911,7 @@
       </dsp:nvSpPr>
       <dsp:spPr>
         <a:xfrm>
-          <a:off x="0" y="8576"/>
+          <a:off x="0" y="8575"/>
           <a:ext cx="7950200" cy="1198080"/>
         </a:xfrm>
         <a:prstGeom prst="roundRect">
@@ -16980,7 +16977,7 @@
         </a:p>
       </dsp:txBody>
       <dsp:txXfrm>
-        <a:off x="58485" y="67061"/>
+        <a:off x="58485" y="67060"/>
         <a:ext cx="7833230" cy="1081110"/>
       </dsp:txXfrm>
     </dsp:sp>
@@ -17217,7 +17214,7 @@
             <a:buNone/>
           </a:pPr>
           <a:r>
-            <a:rPr lang="en-IN" sz="3900" kern="1200"/>
+            <a:rPr lang="en-IN" sz="3900" kern="1200" dirty="0"/>
             <a:t>Normal LLMs give one-shot responses</a:t>
           </a:r>
         </a:p>
@@ -17780,7 +17777,7 @@
             <a:buNone/>
           </a:pPr>
           <a:r>
-            <a:rPr lang="en-IN" sz="2900" kern="1200"/>
+            <a:rPr lang="en-IN" sz="2900" kern="1200" dirty="0"/>
             <a:t>Act: Calls an external tool</a:t>
           </a:r>
         </a:p>
@@ -17857,7 +17854,7 @@
             <a:buNone/>
           </a:pPr>
           <a:r>
-            <a:rPr lang="en-IN" sz="2900" kern="1200"/>
+            <a:rPr lang="en-IN" sz="2900" kern="1200" dirty="0"/>
             <a:t>Observe: Reads tool output</a:t>
           </a:r>
         </a:p>
@@ -17934,7 +17931,7 @@
             <a:buNone/>
           </a:pPr>
           <a:r>
-            <a:rPr lang="en-IN" sz="2900" kern="1200"/>
+            <a:rPr lang="en-IN" sz="2900" kern="1200" dirty="0"/>
             <a:t>Reflect: Adjusts next move</a:t>
           </a:r>
         </a:p>
@@ -18011,7 +18008,7 @@
             <a:buNone/>
           </a:pPr>
           <a:r>
-            <a:rPr lang="en-IN" sz="2900" kern="1200"/>
+            <a:rPr lang="en-IN" sz="2900" kern="1200" dirty="0"/>
             <a:t>Repeat: Continues until final result</a:t>
           </a:r>
         </a:p>
@@ -18177,7 +18174,7 @@
             <a:buNone/>
           </a:pPr>
           <a:r>
-            <a:rPr lang="en-IN" sz="3700" kern="1200"/>
+            <a:rPr lang="en-IN" sz="3700" kern="1200" dirty="0"/>
             <a:t>Calculate percentage change</a:t>
           </a:r>
         </a:p>
@@ -18254,7 +18251,7 @@
             <a:buNone/>
           </a:pPr>
           <a:r>
-            <a:rPr lang="en-IN" sz="3700" kern="1200"/>
+            <a:rPr lang="en-IN" sz="3700" kern="1200" dirty="0"/>
             <a:t>Combine results</a:t>
           </a:r>
         </a:p>
@@ -18331,7 +18328,7 @@
             <a:buNone/>
           </a:pPr>
           <a:r>
-            <a:rPr lang="en-IN" sz="3700" kern="1200"/>
+            <a:rPr lang="en-IN" sz="3700" kern="1200" dirty="0"/>
             <a:t>Loop until done</a:t>
           </a:r>
         </a:p>
@@ -18420,7 +18417,7 @@
             <a:buNone/>
           </a:pPr>
           <a:r>
-            <a:rPr lang="en-IN" sz="3600" kern="1200"/>
+            <a:rPr lang="en-IN" sz="3600" kern="1200" dirty="0"/>
             <a:t>Framework to build LLM-powered apps</a:t>
           </a:r>
         </a:p>
@@ -36658,7 +36655,7 @@
           <a:p>
             <a:fld id="{3B2477CB-E0AE-4281-99AD-4E48B34E3FDC}" type="datetimeFigureOut">
               <a:rPr lang="en-IN" smtClean="0"/>
-              <a:t>20-12-2025</a:t>
+              <a:t>03-01-2026</a:t>
             </a:fld>
             <a:endParaRPr lang="en-IN"/>
           </a:p>
@@ -37257,7 +37254,7 @@
           <a:p>
             <a:fld id="{1D8BD707-D9CF-40AE-B4C6-C98DA3205C09}" type="datetimeFigureOut">
               <a:rPr lang="en-US" smtClean="0"/>
-              <a:t>12/20/2025</a:t>
+              <a:t>1/3/2026</a:t>
             </a:fld>
             <a:endParaRPr lang="en-US"/>
           </a:p>
@@ -37581,7 +37578,7 @@
           <a:p>
             <a:fld id="{1D8BD707-D9CF-40AE-B4C6-C98DA3205C09}" type="datetimeFigureOut">
               <a:rPr lang="en-US" smtClean="0"/>
-              <a:t>12/20/2025</a:t>
+              <a:t>1/3/2026</a:t>
             </a:fld>
             <a:endParaRPr lang="en-US"/>
           </a:p>
@@ -37864,7 +37861,7 @@
           <a:p>
             <a:fld id="{1D8BD707-D9CF-40AE-B4C6-C98DA3205C09}" type="datetimeFigureOut">
               <a:rPr lang="en-US" smtClean="0"/>
-              <a:t>12/20/2025</a:t>
+              <a:t>1/3/2026</a:t>
             </a:fld>
             <a:endParaRPr lang="en-US"/>
           </a:p>
@@ -38112,7 +38109,7 @@
           <a:p>
             <a:fld id="{1D8BD707-D9CF-40AE-B4C6-C98DA3205C09}" type="datetimeFigureOut">
               <a:rPr lang="en-US" smtClean="0"/>
-              <a:t>12/20/2025</a:t>
+              <a:t>1/3/2026</a:t>
             </a:fld>
             <a:endParaRPr lang="en-US"/>
           </a:p>
@@ -38451,7 +38448,7 @@
           <a:p>
             <a:fld id="{1D8BD707-D9CF-40AE-B4C6-C98DA3205C09}" type="datetimeFigureOut">
               <a:rPr lang="en-US" smtClean="0"/>
-              <a:t>12/20/2025</a:t>
+              <a:t>1/3/2026</a:t>
             </a:fld>
             <a:endParaRPr lang="en-US"/>
           </a:p>
@@ -38798,7 +38795,7 @@
           <a:p>
             <a:fld id="{1D8BD707-D9CF-40AE-B4C6-C98DA3205C09}" type="datetimeFigureOut">
               <a:rPr lang="en-US" smtClean="0"/>
-              <a:t>12/20/2025</a:t>
+              <a:t>1/3/2026</a:t>
             </a:fld>
             <a:endParaRPr lang="en-US"/>
           </a:p>
@@ -39172,7 +39169,7 @@
           <a:p>
             <a:fld id="{1D8BD707-D9CF-40AE-B4C6-C98DA3205C09}" type="datetimeFigureOut">
               <a:rPr lang="en-US" smtClean="0"/>
-              <a:t>12/20/2025</a:t>
+              <a:t>1/3/2026</a:t>
             </a:fld>
             <a:endParaRPr lang="en-US"/>
           </a:p>
@@ -39642,7 +39639,7 @@
           <a:p>
             <a:fld id="{1D8BD707-D9CF-40AE-B4C6-C98DA3205C09}" type="datetimeFigureOut">
               <a:rPr lang="en-US" smtClean="0"/>
-              <a:t>12/20/2025</a:t>
+              <a:t>1/3/2026</a:t>
             </a:fld>
             <a:endParaRPr lang="en-US"/>
           </a:p>
@@ -39852,7 +39849,7 @@
           <a:p>
             <a:fld id="{1D8BD707-D9CF-40AE-B4C6-C98DA3205C09}" type="datetimeFigureOut">
               <a:rPr lang="en-US" smtClean="0"/>
-              <a:t>12/20/2025</a:t>
+              <a:t>1/3/2026</a:t>
             </a:fld>
             <a:endParaRPr lang="en-US"/>
           </a:p>
@@ -40063,7 +40060,7 @@
           <a:p>
             <a:fld id="{1D8BD707-D9CF-40AE-B4C6-C98DA3205C09}" type="datetimeFigureOut">
               <a:rPr lang="en-US" smtClean="0"/>
-              <a:t>12/20/2025</a:t>
+              <a:t>1/3/2026</a:t>
             </a:fld>
             <a:endParaRPr lang="en-US"/>
           </a:p>
@@ -40295,7 +40292,7 @@
           <a:p>
             <a:fld id="{1D8BD707-D9CF-40AE-B4C6-C98DA3205C09}" type="datetimeFigureOut">
               <a:rPr lang="en-US" smtClean="0"/>
-              <a:t>12/20/2025</a:t>
+              <a:t>1/3/2026</a:t>
             </a:fld>
             <a:endParaRPr lang="en-US"/>
           </a:p>
@@ -40425,7 +40422,7 @@
           <a:p>
             <a:fld id="{1D8BD707-D9CF-40AE-B4C6-C98DA3205C09}" type="datetimeFigureOut">
               <a:rPr lang="en-US" smtClean="0"/>
-              <a:t>12/20/2025</a:t>
+              <a:t>1/3/2026</a:t>
             </a:fld>
             <a:endParaRPr lang="en-US"/>
           </a:p>
@@ -40685,7 +40682,7 @@
           <a:p>
             <a:fld id="{1D8BD707-D9CF-40AE-B4C6-C98DA3205C09}" type="datetimeFigureOut">
               <a:rPr lang="en-US" smtClean="0"/>
-              <a:t>12/20/2025</a:t>
+              <a:t>1/3/2026</a:t>
             </a:fld>
             <a:endParaRPr lang="en-US"/>
           </a:p>
@@ -40988,7 +40985,7 @@
           <a:p>
             <a:fld id="{1D8BD707-D9CF-40AE-B4C6-C98DA3205C09}" type="datetimeFigureOut">
               <a:rPr lang="en-US" smtClean="0"/>
-              <a:t>12/20/2025</a:t>
+              <a:t>1/3/2026</a:t>
             </a:fld>
             <a:endParaRPr lang="en-US"/>
           </a:p>
@@ -41370,7 +41367,7 @@
           <a:p>
             <a:fld id="{1D8BD707-D9CF-40AE-B4C6-C98DA3205C09}" type="datetimeFigureOut">
               <a:rPr lang="en-US" smtClean="0"/>
-              <a:t>12/20/2025</a:t>
+              <a:t>1/3/2026</a:t>
             </a:fld>
             <a:endParaRPr lang="en-US"/>
           </a:p>
@@ -41524,7 +41521,7 @@
           <a:p>
             <a:fld id="{1D8BD707-D9CF-40AE-B4C6-C98DA3205C09}" type="datetimeFigureOut">
               <a:rPr lang="en-US" smtClean="0"/>
-              <a:t>12/20/2025</a:t>
+              <a:t>1/3/2026</a:t>
             </a:fld>
             <a:endParaRPr lang="en-US"/>
           </a:p>
@@ -41651,7 +41648,7 @@
             <a:fld id="{B61BEF0D-F0BB-DE4B-95CE-6DB70DBA9567}" type="datetimeFigureOut">
               <a:rPr lang="en-US" smtClean="0"/>
               <a:pPr/>
-              <a:t>12/20/2025</a:t>
+              <a:t>1/3/2026</a:t>
             </a:fld>
             <a:endParaRPr lang="en-US" dirty="0"/>
           </a:p>
@@ -41967,7 +41964,7 @@
           <a:p>
             <a:fld id="{1D8BD707-D9CF-40AE-B4C6-C98DA3205C09}" type="datetimeFigureOut">
               <a:rPr lang="en-US" smtClean="0"/>
-              <a:t>12/20/2025</a:t>
+              <a:t>1/3/2026</a:t>
             </a:fld>
             <a:endParaRPr lang="en-US"/>
           </a:p>
@@ -42349,7 +42346,7 @@
           <a:p>
             <a:fld id="{1D8BD707-D9CF-40AE-B4C6-C98DA3205C09}" type="datetimeFigureOut">
               <a:rPr lang="en-US" smtClean="0"/>
-              <a:t>12/20/2025</a:t>
+              <a:t>1/3/2026</a:t>
             </a:fld>
             <a:endParaRPr lang="en-US"/>
           </a:p>
@@ -42982,6 +42979,31 @@
           </a:p>
         </p:txBody>
       </p:sp>
+      <p:sp>
+        <p:nvSpPr>
+          <p:cNvPr id="5" name="Title 4">
+            <a:extLst>
+              <a:ext uri="{FF2B5EF4-FFF2-40B4-BE49-F238E27FC236}">
+                <a16:creationId xmlns:a16="http://schemas.microsoft.com/office/drawing/2014/main" id="{3859089B-0C94-2445-48D5-96696FF2B594}"/>
+              </a:ext>
+            </a:extLst>
+          </p:cNvPr>
+          <p:cNvSpPr>
+            <a:spLocks noGrp="1"/>
+          </p:cNvSpPr>
+          <p:nvPr>
+            <p:ph type="title"/>
+          </p:nvPr>
+        </p:nvSpPr>
+        <p:spPr/>
+        <p:txBody>
+          <a:bodyPr/>
+          <a:lstStyle/>
+          <a:p>
+            <a:endParaRPr lang="en-IN" dirty="0"/>
+          </a:p>
+        </p:txBody>
+      </p:sp>
     </p:spTree>
   </p:cSld>
   <p:clrMapOvr>
@@ -43035,31 +43057,6 @@
               <a:t>core components</a:t>
             </a:r>
             <a:endParaRPr dirty="0"/>
-          </a:p>
-        </p:txBody>
-      </p:sp>
-      <p:sp>
-        <p:nvSpPr>
-          <p:cNvPr id="3" name="Content Placeholder 2">
-            <a:extLst>
-              <a:ext uri="{FF2B5EF4-FFF2-40B4-BE49-F238E27FC236}">
-                <a16:creationId xmlns:a16="http://schemas.microsoft.com/office/drawing/2014/main" id="{3FDE8B4F-2CD2-A13E-6520-AD6861EE118C}"/>
-              </a:ext>
-            </a:extLst>
-          </p:cNvPr>
-          <p:cNvSpPr>
-            <a:spLocks noGrp="1"/>
-          </p:cNvSpPr>
-          <p:nvPr>
-            <p:ph idx="1"/>
-          </p:nvPr>
-        </p:nvSpPr>
-        <p:spPr/>
-        <p:txBody>
-          <a:bodyPr/>
-          <a:lstStyle/>
-          <a:p>
-            <a:endParaRPr lang="en-IN"/>
           </a:p>
         </p:txBody>
       </p:sp>
@@ -43775,31 +43772,6 @@
           </a:p>
         </p:txBody>
       </p:sp>
-      <p:sp>
-        <p:nvSpPr>
-          <p:cNvPr id="3" name="Content Placeholder 2">
-            <a:extLst>
-              <a:ext uri="{FF2B5EF4-FFF2-40B4-BE49-F238E27FC236}">
-                <a16:creationId xmlns:a16="http://schemas.microsoft.com/office/drawing/2014/main" id="{13AFC6A6-0F0B-70BF-1D5C-89196CB98445}"/>
-              </a:ext>
-            </a:extLst>
-          </p:cNvPr>
-          <p:cNvSpPr>
-            <a:spLocks noGrp="1"/>
-          </p:cNvSpPr>
-          <p:nvPr>
-            <p:ph idx="1"/>
-          </p:nvPr>
-        </p:nvSpPr>
-        <p:spPr/>
-        <p:txBody>
-          <a:bodyPr/>
-          <a:lstStyle/>
-          <a:p>
-            <a:endParaRPr lang="en-IN"/>
-          </a:p>
-        </p:txBody>
-      </p:sp>
       <p:graphicFrame>
         <p:nvGraphicFramePr>
           <p:cNvPr id="4" name="Diagram 3">
@@ -43943,7 +43915,7 @@
           <p:cNvPr id="3" name="Title 2">
             <a:extLst>
               <a:ext uri="{FF2B5EF4-FFF2-40B4-BE49-F238E27FC236}">
-                <a16:creationId xmlns:a16="http://schemas.microsoft.com/office/drawing/2014/main" id="{AB029DC9-6F13-B914-E4C8-AD98D2234BA2}"/>
+                <a16:creationId xmlns:a16="http://schemas.microsoft.com/office/drawing/2014/main" id="{D21114F2-401C-BD3B-40BC-3AD0C8BD7A0A}"/>
               </a:ext>
             </a:extLst>
           </p:cNvPr>
@@ -43952,31 +43924,6 @@
           </p:cNvSpPr>
           <p:nvPr>
             <p:ph type="title"/>
-          </p:nvPr>
-        </p:nvSpPr>
-        <p:spPr/>
-        <p:txBody>
-          <a:bodyPr/>
-          <a:lstStyle/>
-          <a:p>
-            <a:endParaRPr lang="en-IN"/>
-          </a:p>
-        </p:txBody>
-      </p:sp>
-      <p:sp>
-        <p:nvSpPr>
-          <p:cNvPr id="5" name="Content Placeholder 4">
-            <a:extLst>
-              <a:ext uri="{FF2B5EF4-FFF2-40B4-BE49-F238E27FC236}">
-                <a16:creationId xmlns:a16="http://schemas.microsoft.com/office/drawing/2014/main" id="{27B03C99-7097-6B6B-F61A-3B9F8EFDD830}"/>
-              </a:ext>
-            </a:extLst>
-          </p:cNvPr>
-          <p:cNvSpPr>
-            <a:spLocks noGrp="1"/>
-          </p:cNvSpPr>
-          <p:nvPr>
-            <p:ph idx="1"/>
           </p:nvPr>
         </p:nvSpPr>
         <p:spPr/>
@@ -44096,6 +44043,31 @@
           </a:graphicData>
         </a:graphic>
       </p:graphicFrame>
+      <p:sp>
+        <p:nvSpPr>
+          <p:cNvPr id="3" name="Title 2">
+            <a:extLst>
+              <a:ext uri="{FF2B5EF4-FFF2-40B4-BE49-F238E27FC236}">
+                <a16:creationId xmlns:a16="http://schemas.microsoft.com/office/drawing/2014/main" id="{6B8EF26E-F89B-A3A6-3D4C-C956CB5558BC}"/>
+              </a:ext>
+            </a:extLst>
+          </p:cNvPr>
+          <p:cNvSpPr>
+            <a:spLocks noGrp="1"/>
+          </p:cNvSpPr>
+          <p:nvPr>
+            <p:ph type="title"/>
+          </p:nvPr>
+        </p:nvSpPr>
+        <p:spPr/>
+        <p:txBody>
+          <a:bodyPr/>
+          <a:lstStyle/>
+          <a:p>
+            <a:endParaRPr lang="en-IN"/>
+          </a:p>
+        </p:txBody>
+      </p:sp>
     </p:spTree>
     <p:extLst>
       <p:ext uri="{BB962C8B-B14F-4D97-AF65-F5344CB8AC3E}">
@@ -44198,6 +44170,31 @@
           </a:graphicData>
         </a:graphic>
       </p:graphicFrame>
+      <p:sp>
+        <p:nvSpPr>
+          <p:cNvPr id="3" name="Title 2">
+            <a:extLst>
+              <a:ext uri="{FF2B5EF4-FFF2-40B4-BE49-F238E27FC236}">
+                <a16:creationId xmlns:a16="http://schemas.microsoft.com/office/drawing/2014/main" id="{CD97782D-C41B-6984-51BE-622C9BC5D315}"/>
+              </a:ext>
+            </a:extLst>
+          </p:cNvPr>
+          <p:cNvSpPr>
+            <a:spLocks noGrp="1"/>
+          </p:cNvSpPr>
+          <p:nvPr>
+            <p:ph type="title"/>
+          </p:nvPr>
+        </p:nvSpPr>
+        <p:spPr/>
+        <p:txBody>
+          <a:bodyPr/>
+          <a:lstStyle/>
+          <a:p>
+            <a:endParaRPr lang="en-IN"/>
+          </a:p>
+        </p:txBody>
+      </p:sp>
     </p:spTree>
     <p:extLst>
       <p:ext uri="{BB962C8B-B14F-4D97-AF65-F5344CB8AC3E}">
@@ -44306,6 +44303,31 @@
           </a:graphicData>
         </a:graphic>
       </p:graphicFrame>
+      <p:sp>
+        <p:nvSpPr>
+          <p:cNvPr id="3" name="Title 2">
+            <a:extLst>
+              <a:ext uri="{FF2B5EF4-FFF2-40B4-BE49-F238E27FC236}">
+                <a16:creationId xmlns:a16="http://schemas.microsoft.com/office/drawing/2014/main" id="{D26C7476-CCDF-6252-5384-9E5FD78FB091}"/>
+              </a:ext>
+            </a:extLst>
+          </p:cNvPr>
+          <p:cNvSpPr>
+            <a:spLocks noGrp="1"/>
+          </p:cNvSpPr>
+          <p:nvPr>
+            <p:ph type="title"/>
+          </p:nvPr>
+        </p:nvSpPr>
+        <p:spPr/>
+        <p:txBody>
+          <a:bodyPr/>
+          <a:lstStyle/>
+          <a:p>
+            <a:endParaRPr lang="en-IN"/>
+          </a:p>
+        </p:txBody>
+      </p:sp>
     </p:spTree>
     <p:extLst>
       <p:ext uri="{BB962C8B-B14F-4D97-AF65-F5344CB8AC3E}">
@@ -44399,1227 +44421,6 @@
 </p:sld>
 </file>
 
-<file path=ppt/slides/slide18.xml><?xml version="1.0" encoding="utf-8"?>
-<p:sld xmlns:a="http://schemas.openxmlformats.org/drawingml/2006/main" xmlns:r="http://schemas.openxmlformats.org/officeDocument/2006/relationships" xmlns:p="http://schemas.openxmlformats.org/presentationml/2006/main">
-  <p:cSld>
-    <p:spTree>
-      <p:nvGrpSpPr>
-        <p:cNvPr id="1" name=""/>
-        <p:cNvGrpSpPr/>
-        <p:nvPr/>
-      </p:nvGrpSpPr>
-      <p:grpSpPr>
-        <a:xfrm>
-          <a:off x="0" y="0"/>
-          <a:ext cx="0" cy="0"/>
-          <a:chOff x="0" y="0"/>
-          <a:chExt cx="0" cy="0"/>
-        </a:xfrm>
-      </p:grpSpPr>
-      <p:sp>
-        <p:nvSpPr>
-          <p:cNvPr id="2" name="Title 1">
-            <a:extLst>
-              <a:ext uri="{FF2B5EF4-FFF2-40B4-BE49-F238E27FC236}">
-                <a16:creationId xmlns:a16="http://schemas.microsoft.com/office/drawing/2014/main" id="{21A71C31-08E1-B106-E5D5-7DA1234ABA79}"/>
-              </a:ext>
-            </a:extLst>
-          </p:cNvPr>
-          <p:cNvSpPr>
-            <a:spLocks noGrp="1"/>
-          </p:cNvSpPr>
-          <p:nvPr>
-            <p:ph type="title"/>
-          </p:nvPr>
-        </p:nvSpPr>
-        <p:spPr/>
-        <p:txBody>
-          <a:bodyPr/>
-          <a:lstStyle/>
-          <a:p>
-            <a:r>
-              <a:rPr lang="en-IN" dirty="0"/>
-              <a:t>What is LangGraph</a:t>
-            </a:r>
-          </a:p>
-        </p:txBody>
-      </p:sp>
-      <p:sp>
-        <p:nvSpPr>
-          <p:cNvPr id="3" name="Content Placeholder 2">
-            <a:extLst>
-              <a:ext uri="{FF2B5EF4-FFF2-40B4-BE49-F238E27FC236}">
-                <a16:creationId xmlns:a16="http://schemas.microsoft.com/office/drawing/2014/main" id="{92E338DC-1A90-F697-318A-7F8819245CC8}"/>
-              </a:ext>
-            </a:extLst>
-          </p:cNvPr>
-          <p:cNvSpPr>
-            <a:spLocks noGrp="1"/>
-          </p:cNvSpPr>
-          <p:nvPr>
-            <p:ph idx="1"/>
-          </p:nvPr>
-        </p:nvSpPr>
-        <p:spPr/>
-        <p:txBody>
-          <a:bodyPr/>
-          <a:lstStyle/>
-          <a:p>
-            <a:r>
-              <a:rPr lang="en-US" b="1" dirty="0"/>
-              <a:t>LangGraph</a:t>
-            </a:r>
-            <a:r>
-              <a:rPr lang="en-US" dirty="0"/>
-              <a:t> is a library built on top of </a:t>
-            </a:r>
-            <a:r>
-              <a:rPr lang="en-US" dirty="0" err="1"/>
-              <a:t>LangChain</a:t>
-            </a:r>
-            <a:r>
-              <a:rPr lang="en-US" dirty="0"/>
-              <a:t> designed to create </a:t>
-            </a:r>
-            <a:r>
-              <a:rPr lang="en-US" b="1" dirty="0"/>
-              <a:t>stateful, multi-actor applications</a:t>
-            </a:r>
-            <a:r>
-              <a:rPr lang="en-US" dirty="0"/>
-              <a:t>.</a:t>
-            </a:r>
-          </a:p>
-          <a:p>
-            <a:r>
-              <a:rPr lang="en-US" dirty="0"/>
-              <a:t>While standard </a:t>
-            </a:r>
-            <a:r>
-              <a:rPr lang="en-US" dirty="0" err="1"/>
-              <a:t>LangChain</a:t>
-            </a:r>
-            <a:r>
-              <a:rPr lang="en-US" dirty="0"/>
-              <a:t> is great for "Chains" (linear, one-way sequences), LangGraph is built for </a:t>
-            </a:r>
-            <a:r>
-              <a:rPr lang="en-US" b="1" dirty="0"/>
-              <a:t>Graphs</a:t>
-            </a:r>
-            <a:r>
-              <a:rPr lang="en-US" dirty="0"/>
-              <a:t> (complex workflows with loops, cycles, and conditional logic).</a:t>
-            </a:r>
-          </a:p>
-          <a:p>
-            <a:endParaRPr lang="en-IN" dirty="0"/>
-          </a:p>
-        </p:txBody>
-      </p:sp>
-    </p:spTree>
-    <p:extLst>
-      <p:ext uri="{BB962C8B-B14F-4D97-AF65-F5344CB8AC3E}">
-        <p14:creationId xmlns:p14="http://schemas.microsoft.com/office/powerpoint/2010/main" val="1312317504"/>
-      </p:ext>
-    </p:extLst>
-  </p:cSld>
-  <p:clrMapOvr>
-    <a:masterClrMapping/>
-  </p:clrMapOvr>
-</p:sld>
-</file>
-
-<file path=ppt/slides/slide19.xml><?xml version="1.0" encoding="utf-8"?>
-<p:sld xmlns:a="http://schemas.openxmlformats.org/drawingml/2006/main" xmlns:r="http://schemas.openxmlformats.org/officeDocument/2006/relationships" xmlns:p="http://schemas.openxmlformats.org/presentationml/2006/main">
-  <p:cSld>
-    <p:spTree>
-      <p:nvGrpSpPr>
-        <p:cNvPr id="1" name=""/>
-        <p:cNvGrpSpPr/>
-        <p:nvPr/>
-      </p:nvGrpSpPr>
-      <p:grpSpPr>
-        <a:xfrm>
-          <a:off x="0" y="0"/>
-          <a:ext cx="0" cy="0"/>
-          <a:chOff x="0" y="0"/>
-          <a:chExt cx="0" cy="0"/>
-        </a:xfrm>
-      </p:grpSpPr>
-      <p:graphicFrame>
-        <p:nvGraphicFramePr>
-          <p:cNvPr id="4" name="Content Placeholder 3">
-            <a:extLst>
-              <a:ext uri="{FF2B5EF4-FFF2-40B4-BE49-F238E27FC236}">
-                <a16:creationId xmlns:a16="http://schemas.microsoft.com/office/drawing/2014/main" id="{2DEFE3D6-044D-C123-245D-B75D2251243A}"/>
-              </a:ext>
-            </a:extLst>
-          </p:cNvPr>
-          <p:cNvGraphicFramePr>
-            <a:graphicFrameLocks noGrp="1"/>
-          </p:cNvGraphicFramePr>
-          <p:nvPr>
-            <p:ph idx="1"/>
-            <p:extLst>
-              <p:ext uri="{D42A27DB-BD31-4B8C-83A1-F6EECF244321}">
-                <p14:modId xmlns:p14="http://schemas.microsoft.com/office/powerpoint/2010/main" val="727785589"/>
-              </p:ext>
-            </p:extLst>
-          </p:nvPr>
-        </p:nvGraphicFramePr>
-        <p:xfrm>
-          <a:off x="1155698" y="1035050"/>
-          <a:ext cx="8686800" cy="5356080"/>
-        </p:xfrm>
-        <a:graphic>
-          <a:graphicData uri="http://schemas.openxmlformats.org/drawingml/2006/table">
-            <a:tbl>
-              <a:tblPr/>
-              <a:tblGrid>
-                <a:gridCol w="2895600">
-                  <a:extLst>
-                    <a:ext uri="{9D8B030D-6E8A-4147-A177-3AD203B41FA5}">
-                      <a16:colId xmlns:a16="http://schemas.microsoft.com/office/drawing/2014/main" val="1098593283"/>
-                    </a:ext>
-                  </a:extLst>
-                </a:gridCol>
-                <a:gridCol w="2895600">
-                  <a:extLst>
-                    <a:ext uri="{9D8B030D-6E8A-4147-A177-3AD203B41FA5}">
-                      <a16:colId xmlns:a16="http://schemas.microsoft.com/office/drawing/2014/main" val="2091881699"/>
-                    </a:ext>
-                  </a:extLst>
-                </a:gridCol>
-                <a:gridCol w="2895600">
-                  <a:extLst>
-                    <a:ext uri="{9D8B030D-6E8A-4147-A177-3AD203B41FA5}">
-                      <a16:colId xmlns:a16="http://schemas.microsoft.com/office/drawing/2014/main" val="959594080"/>
-                    </a:ext>
-                  </a:extLst>
-                </a:gridCol>
-              </a:tblGrid>
-              <a:tr h="297596">
-                <a:tc>
-                  <a:txBody>
-                    <a:bodyPr/>
-                    <a:lstStyle/>
-                    <a:p>
-                      <a:pPr rtl="0">
-                        <a:buNone/>
-                      </a:pPr>
-                      <a:r>
-                        <a:rPr lang="en-IN" sz="1000" b="1">
-                          <a:solidFill>
-                            <a:srgbClr val="1F1F1F"/>
-                          </a:solidFill>
-                          <a:effectLst/>
-                          <a:latin typeface="Google Sans Text"/>
-                        </a:rPr>
-                        <a:t>Concept</a:t>
-                      </a:r>
-                      <a:endParaRPr lang="en-IN" sz="1000">
-                        <a:solidFill>
-                          <a:srgbClr val="1F1F1F"/>
-                        </a:solidFill>
-                        <a:effectLst/>
-                        <a:latin typeface="Google Sans Text"/>
-                      </a:endParaRPr>
-                    </a:p>
-                  </a:txBody>
-                  <a:tcPr marL="44145" marR="44145" marT="29430" marB="29430" anchor="ctr">
-                    <a:lnL w="7620" cap="flat" cmpd="sng" algn="ctr">
-                      <a:solidFill>
-                        <a:schemeClr val="bg1"/>
-                      </a:solidFill>
-                      <a:prstDash val="solid"/>
-                      <a:round/>
-                      <a:headEnd type="none" w="med" len="med"/>
-                      <a:tailEnd type="none" w="med" len="med"/>
-                    </a:lnL>
-                    <a:lnR w="7620" cap="flat" cmpd="sng" algn="ctr">
-                      <a:solidFill>
-                        <a:schemeClr val="bg1"/>
-                      </a:solidFill>
-                      <a:prstDash val="solid"/>
-                      <a:round/>
-                      <a:headEnd type="none" w="med" len="med"/>
-                      <a:tailEnd type="none" w="med" len="med"/>
-                    </a:lnR>
-                    <a:lnT w="7620" cap="flat" cmpd="sng" algn="ctr">
-                      <a:solidFill>
-                        <a:schemeClr val="bg1"/>
-                      </a:solidFill>
-                      <a:prstDash val="solid"/>
-                      <a:round/>
-                      <a:headEnd type="none" w="med" len="med"/>
-                      <a:tailEnd type="none" w="med" len="med"/>
-                    </a:lnT>
-                    <a:lnB w="7620" cap="flat" cmpd="sng" algn="ctr">
-                      <a:solidFill>
-                        <a:schemeClr val="bg1"/>
-                      </a:solidFill>
-                      <a:prstDash val="solid"/>
-                      <a:round/>
-                      <a:headEnd type="none" w="med" len="med"/>
-                      <a:tailEnd type="none" w="med" len="med"/>
-                    </a:lnB>
-                    <a:noFill/>
-                  </a:tcPr>
-                </a:tc>
-                <a:tc>
-                  <a:txBody>
-                    <a:bodyPr/>
-                    <a:lstStyle/>
-                    <a:p>
-                      <a:pPr rtl="0">
-                        <a:buNone/>
-                      </a:pPr>
-                      <a:r>
-                        <a:rPr lang="en-IN" sz="1000" b="1">
-                          <a:solidFill>
-                            <a:srgbClr val="1F1F1F"/>
-                          </a:solidFill>
-                          <a:effectLst/>
-                          <a:latin typeface="Google Sans Text"/>
-                        </a:rPr>
-                        <a:t>Analogy</a:t>
-                      </a:r>
-                      <a:endParaRPr lang="en-IN" sz="1000">
-                        <a:solidFill>
-                          <a:srgbClr val="1F1F1F"/>
-                        </a:solidFill>
-                        <a:effectLst/>
-                        <a:latin typeface="Google Sans Text"/>
-                      </a:endParaRPr>
-                    </a:p>
-                  </a:txBody>
-                  <a:tcPr marL="44145" marR="44145" marT="29430" marB="29430" anchor="ctr">
-                    <a:lnL w="7620" cap="flat" cmpd="sng" algn="ctr">
-                      <a:solidFill>
-                        <a:schemeClr val="bg1"/>
-                      </a:solidFill>
-                      <a:prstDash val="solid"/>
-                      <a:round/>
-                      <a:headEnd type="none" w="med" len="med"/>
-                      <a:tailEnd type="none" w="med" len="med"/>
-                    </a:lnL>
-                    <a:lnR w="7620" cap="flat" cmpd="sng" algn="ctr">
-                      <a:solidFill>
-                        <a:schemeClr val="bg1"/>
-                      </a:solidFill>
-                      <a:prstDash val="solid"/>
-                      <a:round/>
-                      <a:headEnd type="none" w="med" len="med"/>
-                      <a:tailEnd type="none" w="med" len="med"/>
-                    </a:lnR>
-                    <a:lnT w="7620" cap="flat" cmpd="sng" algn="ctr">
-                      <a:solidFill>
-                        <a:schemeClr val="bg1"/>
-                      </a:solidFill>
-                      <a:prstDash val="solid"/>
-                      <a:round/>
-                      <a:headEnd type="none" w="med" len="med"/>
-                      <a:tailEnd type="none" w="med" len="med"/>
-                    </a:lnT>
-                    <a:lnB w="7620" cap="flat" cmpd="sng" algn="ctr">
-                      <a:solidFill>
-                        <a:schemeClr val="bg1"/>
-                      </a:solidFill>
-                      <a:prstDash val="solid"/>
-                      <a:round/>
-                      <a:headEnd type="none" w="med" len="med"/>
-                      <a:tailEnd type="none" w="med" len="med"/>
-                    </a:lnB>
-                    <a:noFill/>
-                  </a:tcPr>
-                </a:tc>
-                <a:tc>
-                  <a:txBody>
-                    <a:bodyPr/>
-                    <a:lstStyle/>
-                    <a:p>
-                      <a:pPr rtl="0">
-                        <a:buNone/>
-                      </a:pPr>
-                      <a:r>
-                        <a:rPr lang="en-IN" sz="1000" b="1">
-                          <a:solidFill>
-                            <a:srgbClr val="1F1F1F"/>
-                          </a:solidFill>
-                          <a:effectLst/>
-                          <a:latin typeface="Google Sans Text"/>
-                        </a:rPr>
-                        <a:t>Technical Definition</a:t>
-                      </a:r>
-                      <a:endParaRPr lang="en-IN" sz="1000">
-                        <a:solidFill>
-                          <a:srgbClr val="1F1F1F"/>
-                        </a:solidFill>
-                        <a:effectLst/>
-                        <a:latin typeface="Google Sans Text"/>
-                      </a:endParaRPr>
-                    </a:p>
-                  </a:txBody>
-                  <a:tcPr marL="44145" marR="44145" marT="29430" marB="29430" anchor="ctr">
-                    <a:lnL w="7620" cap="flat" cmpd="sng" algn="ctr">
-                      <a:solidFill>
-                        <a:schemeClr val="bg1"/>
-                      </a:solidFill>
-                      <a:prstDash val="solid"/>
-                      <a:round/>
-                      <a:headEnd type="none" w="med" len="med"/>
-                      <a:tailEnd type="none" w="med" len="med"/>
-                    </a:lnL>
-                    <a:lnR w="7620" cap="flat" cmpd="sng" algn="ctr">
-                      <a:solidFill>
-                        <a:schemeClr val="bg1"/>
-                      </a:solidFill>
-                      <a:prstDash val="solid"/>
-                      <a:round/>
-                      <a:headEnd type="none" w="med" len="med"/>
-                      <a:tailEnd type="none" w="med" len="med"/>
-                    </a:lnR>
-                    <a:lnT w="7620" cap="flat" cmpd="sng" algn="ctr">
-                      <a:solidFill>
-                        <a:schemeClr val="bg1"/>
-                      </a:solidFill>
-                      <a:prstDash val="solid"/>
-                      <a:round/>
-                      <a:headEnd type="none" w="med" len="med"/>
-                      <a:tailEnd type="none" w="med" len="med"/>
-                    </a:lnT>
-                    <a:lnB w="7620" cap="flat" cmpd="sng" algn="ctr">
-                      <a:solidFill>
-                        <a:schemeClr val="bg1"/>
-                      </a:solidFill>
-                      <a:prstDash val="solid"/>
-                      <a:round/>
-                      <a:headEnd type="none" w="med" len="med"/>
-                      <a:tailEnd type="none" w="med" len="med"/>
-                    </a:lnB>
-                    <a:noFill/>
-                  </a:tcPr>
-                </a:tc>
-                <a:extLst>
-                  <a:ext uri="{0D108BD9-81ED-4DB2-BD59-A6C34878D82A}">
-                    <a16:rowId xmlns:a16="http://schemas.microsoft.com/office/drawing/2014/main" val="4053142580"/>
-                  </a:ext>
-                </a:extLst>
-              </a:tr>
-              <a:tr h="1315999">
-                <a:tc>
-                  <a:txBody>
-                    <a:bodyPr/>
-                    <a:lstStyle/>
-                    <a:p>
-                      <a:pPr rtl="0">
-                        <a:buNone/>
-                      </a:pPr>
-                      <a:r>
-                        <a:rPr lang="en-IN" sz="1000" b="1">
-                          <a:solidFill>
-                            <a:srgbClr val="1F1F1F"/>
-                          </a:solidFill>
-                          <a:effectLst/>
-                          <a:latin typeface="Google Sans Text"/>
-                        </a:rPr>
-                        <a:t>State</a:t>
-                      </a:r>
-                      <a:endParaRPr lang="en-IN" sz="1000">
-                        <a:solidFill>
-                          <a:srgbClr val="1F1F1F"/>
-                        </a:solidFill>
-                        <a:effectLst/>
-                        <a:latin typeface="Google Sans Text"/>
-                      </a:endParaRPr>
-                    </a:p>
-                  </a:txBody>
-                  <a:tcPr marL="44145" marR="44145" marT="29430" marB="29430" anchor="ctr">
-                    <a:lnL w="7620" cap="flat" cmpd="sng" algn="ctr">
-                      <a:solidFill>
-                        <a:schemeClr val="bg1"/>
-                      </a:solidFill>
-                      <a:prstDash val="solid"/>
-                      <a:round/>
-                      <a:headEnd type="none" w="med" len="med"/>
-                      <a:tailEnd type="none" w="med" len="med"/>
-                    </a:lnL>
-                    <a:lnR w="7620" cap="flat" cmpd="sng" algn="ctr">
-                      <a:solidFill>
-                        <a:schemeClr val="bg1"/>
-                      </a:solidFill>
-                      <a:prstDash val="solid"/>
-                      <a:round/>
-                      <a:headEnd type="none" w="med" len="med"/>
-                      <a:tailEnd type="none" w="med" len="med"/>
-                    </a:lnR>
-                    <a:lnT w="7620" cap="flat" cmpd="sng" algn="ctr">
-                      <a:solidFill>
-                        <a:schemeClr val="bg1"/>
-                      </a:solidFill>
-                      <a:prstDash val="solid"/>
-                      <a:round/>
-                      <a:headEnd type="none" w="med" len="med"/>
-                      <a:tailEnd type="none" w="med" len="med"/>
-                    </a:lnT>
-                    <a:lnB w="7620" cap="flat" cmpd="sng" algn="ctr">
-                      <a:solidFill>
-                        <a:schemeClr val="bg1"/>
-                      </a:solidFill>
-                      <a:prstDash val="solid"/>
-                      <a:round/>
-                      <a:headEnd type="none" w="med" len="med"/>
-                      <a:tailEnd type="none" w="med" len="med"/>
-                    </a:lnB>
-                    <a:noFill/>
-                  </a:tcPr>
-                </a:tc>
-                <a:tc>
-                  <a:txBody>
-                    <a:bodyPr/>
-                    <a:lstStyle/>
-                    <a:p>
-                      <a:pPr rtl="0">
-                        <a:buNone/>
-                      </a:pPr>
-                      <a:r>
-                        <a:rPr lang="en-IN" sz="1000" dirty="0">
-                          <a:solidFill>
-                            <a:srgbClr val="1F1F1F"/>
-                          </a:solidFill>
-                          <a:effectLst/>
-                          <a:latin typeface="Google Sans Text"/>
-                        </a:rPr>
-                        <a:t>The Whiteboard</a:t>
-                      </a:r>
-                    </a:p>
-                  </a:txBody>
-                  <a:tcPr marL="44145" marR="44145" marT="29430" marB="29430" anchor="ctr">
-                    <a:lnL w="7620" cap="flat" cmpd="sng" algn="ctr">
-                      <a:solidFill>
-                        <a:schemeClr val="bg1"/>
-                      </a:solidFill>
-                      <a:prstDash val="solid"/>
-                      <a:round/>
-                      <a:headEnd type="none" w="med" len="med"/>
-                      <a:tailEnd type="none" w="med" len="med"/>
-                    </a:lnL>
-                    <a:lnR w="7620" cap="flat" cmpd="sng" algn="ctr">
-                      <a:solidFill>
-                        <a:schemeClr val="bg1"/>
-                      </a:solidFill>
-                      <a:prstDash val="solid"/>
-                      <a:round/>
-                      <a:headEnd type="none" w="med" len="med"/>
-                      <a:tailEnd type="none" w="med" len="med"/>
-                    </a:lnR>
-                    <a:lnT w="7620" cap="flat" cmpd="sng" algn="ctr">
-                      <a:solidFill>
-                        <a:schemeClr val="bg1"/>
-                      </a:solidFill>
-                      <a:prstDash val="solid"/>
-                      <a:round/>
-                      <a:headEnd type="none" w="med" len="med"/>
-                      <a:tailEnd type="none" w="med" len="med"/>
-                    </a:lnT>
-                    <a:lnB w="7620" cap="flat" cmpd="sng" algn="ctr">
-                      <a:solidFill>
-                        <a:schemeClr val="bg1"/>
-                      </a:solidFill>
-                      <a:prstDash val="solid"/>
-                      <a:round/>
-                      <a:headEnd type="none" w="med" len="med"/>
-                      <a:tailEnd type="none" w="med" len="med"/>
-                    </a:lnB>
-                    <a:noFill/>
-                  </a:tcPr>
-                </a:tc>
-                <a:tc>
-                  <a:txBody>
-                    <a:bodyPr/>
-                    <a:lstStyle/>
-                    <a:p>
-                      <a:pPr rtl="0">
-                        <a:buNone/>
-                      </a:pPr>
-                      <a:r>
-                        <a:rPr lang="en-US" sz="1000">
-                          <a:solidFill>
-                            <a:srgbClr val="1F1F1F"/>
-                          </a:solidFill>
-                          <a:effectLst/>
-                          <a:latin typeface="Google Sans Text"/>
-                        </a:rPr>
-                        <a:t>A shared data structure (like a </a:t>
-                      </a:r>
-                      <a:r>
-                        <a:rPr lang="en-US" sz="1000">
-                          <a:solidFill>
-                            <a:srgbClr val="444746"/>
-                          </a:solidFill>
-                          <a:effectLst/>
-                          <a:latin typeface="Google Sans Text"/>
-                        </a:rPr>
-                        <a:t>TypedDict</a:t>
-                      </a:r>
-                      <a:r>
-                        <a:rPr lang="en-US" sz="1000">
-                          <a:solidFill>
-                            <a:srgbClr val="1F1F1F"/>
-                          </a:solidFill>
-                          <a:effectLst/>
-                          <a:latin typeface="Google Sans Text"/>
-                        </a:rPr>
-                        <a:t>) that stores the current "memory" of the workflow (e.g., chat history, retrieved docs).</a:t>
-                      </a:r>
-                    </a:p>
-                  </a:txBody>
-                  <a:tcPr marL="44145" marR="44145" marT="29430" marB="29430" anchor="ctr">
-                    <a:lnL w="7620" cap="flat" cmpd="sng" algn="ctr">
-                      <a:solidFill>
-                        <a:schemeClr val="bg1"/>
-                      </a:solidFill>
-                      <a:prstDash val="solid"/>
-                      <a:round/>
-                      <a:headEnd type="none" w="med" len="med"/>
-                      <a:tailEnd type="none" w="med" len="med"/>
-                    </a:lnL>
-                    <a:lnR w="7620" cap="flat" cmpd="sng" algn="ctr">
-                      <a:solidFill>
-                        <a:schemeClr val="bg1"/>
-                      </a:solidFill>
-                      <a:prstDash val="solid"/>
-                      <a:round/>
-                      <a:headEnd type="none" w="med" len="med"/>
-                      <a:tailEnd type="none" w="med" len="med"/>
-                    </a:lnR>
-                    <a:lnT w="7620" cap="flat" cmpd="sng" algn="ctr">
-                      <a:solidFill>
-                        <a:schemeClr val="bg1"/>
-                      </a:solidFill>
-                      <a:prstDash val="solid"/>
-                      <a:round/>
-                      <a:headEnd type="none" w="med" len="med"/>
-                      <a:tailEnd type="none" w="med" len="med"/>
-                    </a:lnT>
-                    <a:lnB w="7620" cap="flat" cmpd="sng" algn="ctr">
-                      <a:solidFill>
-                        <a:schemeClr val="bg1"/>
-                      </a:solidFill>
-                      <a:prstDash val="solid"/>
-                      <a:round/>
-                      <a:headEnd type="none" w="med" len="med"/>
-                      <a:tailEnd type="none" w="med" len="med"/>
-                    </a:lnB>
-                    <a:noFill/>
-                  </a:tcPr>
-                </a:tc>
-                <a:extLst>
-                  <a:ext uri="{0D108BD9-81ED-4DB2-BD59-A6C34878D82A}">
-                    <a16:rowId xmlns:a16="http://schemas.microsoft.com/office/drawing/2014/main" val="3648443191"/>
-                  </a:ext>
-                </a:extLst>
-              </a:tr>
-              <a:tr h="1521514">
-                <a:tc>
-                  <a:txBody>
-                    <a:bodyPr/>
-                    <a:lstStyle/>
-                    <a:p>
-                      <a:pPr rtl="0">
-                        <a:buNone/>
-                      </a:pPr>
-                      <a:r>
-                        <a:rPr lang="en-IN" sz="1000" b="1">
-                          <a:solidFill>
-                            <a:srgbClr val="1F1F1F"/>
-                          </a:solidFill>
-                          <a:effectLst/>
-                          <a:latin typeface="Google Sans Text"/>
-                        </a:rPr>
-                        <a:t>Nodes</a:t>
-                      </a:r>
-                      <a:endParaRPr lang="en-IN" sz="1000">
-                        <a:solidFill>
-                          <a:srgbClr val="1F1F1F"/>
-                        </a:solidFill>
-                        <a:effectLst/>
-                        <a:latin typeface="Google Sans Text"/>
-                      </a:endParaRPr>
-                    </a:p>
-                  </a:txBody>
-                  <a:tcPr marL="44145" marR="44145" marT="29430" marB="29430" anchor="ctr">
-                    <a:lnL w="7620" cap="flat" cmpd="sng" algn="ctr">
-                      <a:solidFill>
-                        <a:schemeClr val="bg1"/>
-                      </a:solidFill>
-                      <a:prstDash val="solid"/>
-                      <a:round/>
-                      <a:headEnd type="none" w="med" len="med"/>
-                      <a:tailEnd type="none" w="med" len="med"/>
-                    </a:lnL>
-                    <a:lnR w="7620" cap="flat" cmpd="sng" algn="ctr">
-                      <a:solidFill>
-                        <a:schemeClr val="bg1"/>
-                      </a:solidFill>
-                      <a:prstDash val="solid"/>
-                      <a:round/>
-                      <a:headEnd type="none" w="med" len="med"/>
-                      <a:tailEnd type="none" w="med" len="med"/>
-                    </a:lnR>
-                    <a:lnT w="7620" cap="flat" cmpd="sng" algn="ctr">
-                      <a:solidFill>
-                        <a:schemeClr val="bg1"/>
-                      </a:solidFill>
-                      <a:prstDash val="solid"/>
-                      <a:round/>
-                      <a:headEnd type="none" w="med" len="med"/>
-                      <a:tailEnd type="none" w="med" len="med"/>
-                    </a:lnT>
-                    <a:lnB w="7620" cap="flat" cmpd="sng" algn="ctr">
-                      <a:solidFill>
-                        <a:schemeClr val="bg1"/>
-                      </a:solidFill>
-                      <a:prstDash val="solid"/>
-                      <a:round/>
-                      <a:headEnd type="none" w="med" len="med"/>
-                      <a:tailEnd type="none" w="med" len="med"/>
-                    </a:lnB>
-                    <a:noFill/>
-                  </a:tcPr>
-                </a:tc>
-                <a:tc>
-                  <a:txBody>
-                    <a:bodyPr/>
-                    <a:lstStyle/>
-                    <a:p>
-                      <a:pPr rtl="0">
-                        <a:buNone/>
-                      </a:pPr>
-                      <a:r>
-                        <a:rPr lang="en-IN" sz="1000">
-                          <a:solidFill>
-                            <a:srgbClr val="1F1F1F"/>
-                          </a:solidFill>
-                          <a:effectLst/>
-                          <a:latin typeface="Google Sans Text"/>
-                        </a:rPr>
-                        <a:t>The Workstations</a:t>
-                      </a:r>
-                    </a:p>
-                  </a:txBody>
-                  <a:tcPr marL="44145" marR="44145" marT="29430" marB="29430" anchor="ctr">
-                    <a:lnL w="7620" cap="flat" cmpd="sng" algn="ctr">
-                      <a:solidFill>
-                        <a:schemeClr val="bg1"/>
-                      </a:solidFill>
-                      <a:prstDash val="solid"/>
-                      <a:round/>
-                      <a:headEnd type="none" w="med" len="med"/>
-                      <a:tailEnd type="none" w="med" len="med"/>
-                    </a:lnL>
-                    <a:lnR w="7620" cap="flat" cmpd="sng" algn="ctr">
-                      <a:solidFill>
-                        <a:schemeClr val="bg1"/>
-                      </a:solidFill>
-                      <a:prstDash val="solid"/>
-                      <a:round/>
-                      <a:headEnd type="none" w="med" len="med"/>
-                      <a:tailEnd type="none" w="med" len="med"/>
-                    </a:lnR>
-                    <a:lnT w="7620" cap="flat" cmpd="sng" algn="ctr">
-                      <a:solidFill>
-                        <a:schemeClr val="bg1"/>
-                      </a:solidFill>
-                      <a:prstDash val="solid"/>
-                      <a:round/>
-                      <a:headEnd type="none" w="med" len="med"/>
-                      <a:tailEnd type="none" w="med" len="med"/>
-                    </a:lnT>
-                    <a:lnB w="7620" cap="flat" cmpd="sng" algn="ctr">
-                      <a:solidFill>
-                        <a:schemeClr val="bg1"/>
-                      </a:solidFill>
-                      <a:prstDash val="solid"/>
-                      <a:round/>
-                      <a:headEnd type="none" w="med" len="med"/>
-                      <a:tailEnd type="none" w="med" len="med"/>
-                    </a:lnB>
-                    <a:noFill/>
-                  </a:tcPr>
-                </a:tc>
-                <a:tc>
-                  <a:txBody>
-                    <a:bodyPr/>
-                    <a:lstStyle/>
-                    <a:p>
-                      <a:pPr rtl="0">
-                        <a:buNone/>
-                      </a:pPr>
-                      <a:r>
-                        <a:rPr lang="en-US" sz="1000">
-                          <a:solidFill>
-                            <a:srgbClr val="1F1F1F"/>
-                          </a:solidFill>
-                          <a:effectLst/>
-                          <a:latin typeface="Google Sans Text"/>
-                        </a:rPr>
-                        <a:t>Python functions that perform a specific task (e.g., "Ask LLM," "Search Database," "Send Email"). They take the current State and return an update.</a:t>
-                      </a:r>
-                    </a:p>
-                  </a:txBody>
-                  <a:tcPr marL="44145" marR="44145" marT="29430" marB="29430" anchor="ctr">
-                    <a:lnL w="7620" cap="flat" cmpd="sng" algn="ctr">
-                      <a:solidFill>
-                        <a:schemeClr val="bg1"/>
-                      </a:solidFill>
-                      <a:prstDash val="solid"/>
-                      <a:round/>
-                      <a:headEnd type="none" w="med" len="med"/>
-                      <a:tailEnd type="none" w="med" len="med"/>
-                    </a:lnL>
-                    <a:lnR w="7620" cap="flat" cmpd="sng" algn="ctr">
-                      <a:solidFill>
-                        <a:schemeClr val="bg1"/>
-                      </a:solidFill>
-                      <a:prstDash val="solid"/>
-                      <a:round/>
-                      <a:headEnd type="none" w="med" len="med"/>
-                      <a:tailEnd type="none" w="med" len="med"/>
-                    </a:lnR>
-                    <a:lnT w="7620" cap="flat" cmpd="sng" algn="ctr">
-                      <a:solidFill>
-                        <a:schemeClr val="bg1"/>
-                      </a:solidFill>
-                      <a:prstDash val="solid"/>
-                      <a:round/>
-                      <a:headEnd type="none" w="med" len="med"/>
-                      <a:tailEnd type="none" w="med" len="med"/>
-                    </a:lnT>
-                    <a:lnB w="7620" cap="flat" cmpd="sng" algn="ctr">
-                      <a:solidFill>
-                        <a:schemeClr val="bg1"/>
-                      </a:solidFill>
-                      <a:prstDash val="solid"/>
-                      <a:round/>
-                      <a:headEnd type="none" w="med" len="med"/>
-                      <a:tailEnd type="none" w="med" len="med"/>
-                    </a:lnB>
-                    <a:noFill/>
-                  </a:tcPr>
-                </a:tc>
-                <a:extLst>
-                  <a:ext uri="{0D108BD9-81ED-4DB2-BD59-A6C34878D82A}">
-                    <a16:rowId xmlns:a16="http://schemas.microsoft.com/office/drawing/2014/main" val="1248750552"/>
-                  </a:ext>
-                </a:extLst>
-              </a:tr>
-              <a:tr h="699457">
-                <a:tc>
-                  <a:txBody>
-                    <a:bodyPr/>
-                    <a:lstStyle/>
-                    <a:p>
-                      <a:pPr rtl="0">
-                        <a:buNone/>
-                      </a:pPr>
-                      <a:r>
-                        <a:rPr lang="en-IN" sz="1000" b="1">
-                          <a:solidFill>
-                            <a:srgbClr val="1F1F1F"/>
-                          </a:solidFill>
-                          <a:effectLst/>
-                          <a:latin typeface="Google Sans Text"/>
-                        </a:rPr>
-                        <a:t>Edges</a:t>
-                      </a:r>
-                      <a:endParaRPr lang="en-IN" sz="1000">
-                        <a:solidFill>
-                          <a:srgbClr val="1F1F1F"/>
-                        </a:solidFill>
-                        <a:effectLst/>
-                        <a:latin typeface="Google Sans Text"/>
-                      </a:endParaRPr>
-                    </a:p>
-                  </a:txBody>
-                  <a:tcPr marL="44145" marR="44145" marT="29430" marB="29430" anchor="ctr">
-                    <a:lnL w="7620" cap="flat" cmpd="sng" algn="ctr">
-                      <a:solidFill>
-                        <a:schemeClr val="bg1"/>
-                      </a:solidFill>
-                      <a:prstDash val="solid"/>
-                      <a:round/>
-                      <a:headEnd type="none" w="med" len="med"/>
-                      <a:tailEnd type="none" w="med" len="med"/>
-                    </a:lnL>
-                    <a:lnR w="7620" cap="flat" cmpd="sng" algn="ctr">
-                      <a:solidFill>
-                        <a:schemeClr val="bg1"/>
-                      </a:solidFill>
-                      <a:prstDash val="solid"/>
-                      <a:round/>
-                      <a:headEnd type="none" w="med" len="med"/>
-                      <a:tailEnd type="none" w="med" len="med"/>
-                    </a:lnR>
-                    <a:lnT w="7620" cap="flat" cmpd="sng" algn="ctr">
-                      <a:solidFill>
-                        <a:schemeClr val="bg1"/>
-                      </a:solidFill>
-                      <a:prstDash val="solid"/>
-                      <a:round/>
-                      <a:headEnd type="none" w="med" len="med"/>
-                      <a:tailEnd type="none" w="med" len="med"/>
-                    </a:lnT>
-                    <a:lnB w="7620" cap="flat" cmpd="sng" algn="ctr">
-                      <a:solidFill>
-                        <a:schemeClr val="bg1"/>
-                      </a:solidFill>
-                      <a:prstDash val="solid"/>
-                      <a:round/>
-                      <a:headEnd type="none" w="med" len="med"/>
-                      <a:tailEnd type="none" w="med" len="med"/>
-                    </a:lnB>
-                    <a:noFill/>
-                  </a:tcPr>
-                </a:tc>
-                <a:tc>
-                  <a:txBody>
-                    <a:bodyPr/>
-                    <a:lstStyle/>
-                    <a:p>
-                      <a:pPr rtl="0">
-                        <a:buNone/>
-                      </a:pPr>
-                      <a:r>
-                        <a:rPr lang="en-IN" sz="1000">
-                          <a:solidFill>
-                            <a:srgbClr val="1F1F1F"/>
-                          </a:solidFill>
-                          <a:effectLst/>
-                          <a:latin typeface="Google Sans Text"/>
-                        </a:rPr>
-                        <a:t>The Conveyor Belts</a:t>
-                      </a:r>
-                    </a:p>
-                  </a:txBody>
-                  <a:tcPr marL="44145" marR="44145" marT="29430" marB="29430" anchor="ctr">
-                    <a:lnL w="7620" cap="flat" cmpd="sng" algn="ctr">
-                      <a:solidFill>
-                        <a:schemeClr val="bg1"/>
-                      </a:solidFill>
-                      <a:prstDash val="solid"/>
-                      <a:round/>
-                      <a:headEnd type="none" w="med" len="med"/>
-                      <a:tailEnd type="none" w="med" len="med"/>
-                    </a:lnL>
-                    <a:lnR w="7620" cap="flat" cmpd="sng" algn="ctr">
-                      <a:solidFill>
-                        <a:schemeClr val="bg1"/>
-                      </a:solidFill>
-                      <a:prstDash val="solid"/>
-                      <a:round/>
-                      <a:headEnd type="none" w="med" len="med"/>
-                      <a:tailEnd type="none" w="med" len="med"/>
-                    </a:lnR>
-                    <a:lnT w="7620" cap="flat" cmpd="sng" algn="ctr">
-                      <a:solidFill>
-                        <a:schemeClr val="bg1"/>
-                      </a:solidFill>
-                      <a:prstDash val="solid"/>
-                      <a:round/>
-                      <a:headEnd type="none" w="med" len="med"/>
-                      <a:tailEnd type="none" w="med" len="med"/>
-                    </a:lnT>
-                    <a:lnB w="7620" cap="flat" cmpd="sng" algn="ctr">
-                      <a:solidFill>
-                        <a:schemeClr val="bg1"/>
-                      </a:solidFill>
-                      <a:prstDash val="solid"/>
-                      <a:round/>
-                      <a:headEnd type="none" w="med" len="med"/>
-                      <a:tailEnd type="none" w="med" len="med"/>
-                    </a:lnB>
-                    <a:noFill/>
-                  </a:tcPr>
-                </a:tc>
-                <a:tc>
-                  <a:txBody>
-                    <a:bodyPr/>
-                    <a:lstStyle/>
-                    <a:p>
-                      <a:pPr rtl="0">
-                        <a:buNone/>
-                      </a:pPr>
-                      <a:r>
-                        <a:rPr lang="en-US" sz="1000">
-                          <a:solidFill>
-                            <a:srgbClr val="1F1F1F"/>
-                          </a:solidFill>
-                          <a:effectLst/>
-                          <a:latin typeface="Google Sans Text"/>
-                        </a:rPr>
-                        <a:t>The paths connecting nodes. They define the order of operations.</a:t>
-                      </a:r>
-                    </a:p>
-                  </a:txBody>
-                  <a:tcPr marL="44145" marR="44145" marT="29430" marB="29430" anchor="ctr">
-                    <a:lnL w="7620" cap="flat" cmpd="sng" algn="ctr">
-                      <a:solidFill>
-                        <a:schemeClr val="bg1"/>
-                      </a:solidFill>
-                      <a:prstDash val="solid"/>
-                      <a:round/>
-                      <a:headEnd type="none" w="med" len="med"/>
-                      <a:tailEnd type="none" w="med" len="med"/>
-                    </a:lnL>
-                    <a:lnR w="7620" cap="flat" cmpd="sng" algn="ctr">
-                      <a:solidFill>
-                        <a:schemeClr val="bg1"/>
-                      </a:solidFill>
-                      <a:prstDash val="solid"/>
-                      <a:round/>
-                      <a:headEnd type="none" w="med" len="med"/>
-                      <a:tailEnd type="none" w="med" len="med"/>
-                    </a:lnR>
-                    <a:lnT w="7620" cap="flat" cmpd="sng" algn="ctr">
-                      <a:solidFill>
-                        <a:schemeClr val="bg1"/>
-                      </a:solidFill>
-                      <a:prstDash val="solid"/>
-                      <a:round/>
-                      <a:headEnd type="none" w="med" len="med"/>
-                      <a:tailEnd type="none" w="med" len="med"/>
-                    </a:lnT>
-                    <a:lnB w="7620" cap="flat" cmpd="sng" algn="ctr">
-                      <a:solidFill>
-                        <a:schemeClr val="bg1"/>
-                      </a:solidFill>
-                      <a:prstDash val="solid"/>
-                      <a:round/>
-                      <a:headEnd type="none" w="med" len="med"/>
-                      <a:tailEnd type="none" w="med" len="med"/>
-                    </a:lnB>
-                    <a:noFill/>
-                  </a:tcPr>
-                </a:tc>
-                <a:extLst>
-                  <a:ext uri="{0D108BD9-81ED-4DB2-BD59-A6C34878D82A}">
-                    <a16:rowId xmlns:a16="http://schemas.microsoft.com/office/drawing/2014/main" val="2185495059"/>
-                  </a:ext>
-                </a:extLst>
-              </a:tr>
-              <a:tr h="1521514">
-                <a:tc>
-                  <a:txBody>
-                    <a:bodyPr/>
-                    <a:lstStyle/>
-                    <a:p>
-                      <a:pPr rtl="0">
-                        <a:buNone/>
-                      </a:pPr>
-                      <a:r>
-                        <a:rPr lang="en-IN" sz="1000" b="1">
-                          <a:solidFill>
-                            <a:srgbClr val="1F1F1F"/>
-                          </a:solidFill>
-                          <a:effectLst/>
-                          <a:latin typeface="Google Sans Text"/>
-                        </a:rPr>
-                        <a:t>Conditional Edges</a:t>
-                      </a:r>
-                      <a:endParaRPr lang="en-IN" sz="1000">
-                        <a:solidFill>
-                          <a:srgbClr val="1F1F1F"/>
-                        </a:solidFill>
-                        <a:effectLst/>
-                        <a:latin typeface="Google Sans Text"/>
-                      </a:endParaRPr>
-                    </a:p>
-                  </a:txBody>
-                  <a:tcPr marL="44145" marR="44145" marT="29430" marB="29430" anchor="ctr">
-                    <a:lnL w="7620" cap="flat" cmpd="sng" algn="ctr">
-                      <a:solidFill>
-                        <a:schemeClr val="bg1"/>
-                      </a:solidFill>
-                      <a:prstDash val="solid"/>
-                      <a:round/>
-                      <a:headEnd type="none" w="med" len="med"/>
-                      <a:tailEnd type="none" w="med" len="med"/>
-                    </a:lnL>
-                    <a:lnR w="7620" cap="flat" cmpd="sng" algn="ctr">
-                      <a:solidFill>
-                        <a:schemeClr val="bg1"/>
-                      </a:solidFill>
-                      <a:prstDash val="solid"/>
-                      <a:round/>
-                      <a:headEnd type="none" w="med" len="med"/>
-                      <a:tailEnd type="none" w="med" len="med"/>
-                    </a:lnR>
-                    <a:lnT w="7620" cap="flat" cmpd="sng" algn="ctr">
-                      <a:solidFill>
-                        <a:schemeClr val="bg1"/>
-                      </a:solidFill>
-                      <a:prstDash val="solid"/>
-                      <a:round/>
-                      <a:headEnd type="none" w="med" len="med"/>
-                      <a:tailEnd type="none" w="med" len="med"/>
-                    </a:lnT>
-                    <a:lnB w="7620" cap="flat" cmpd="sng" algn="ctr">
-                      <a:solidFill>
-                        <a:schemeClr val="bg1"/>
-                      </a:solidFill>
-                      <a:prstDash val="solid"/>
-                      <a:round/>
-                      <a:headEnd type="none" w="med" len="med"/>
-                      <a:tailEnd type="none" w="med" len="med"/>
-                    </a:lnB>
-                    <a:noFill/>
-                  </a:tcPr>
-                </a:tc>
-                <a:tc>
-                  <a:txBody>
-                    <a:bodyPr/>
-                    <a:lstStyle/>
-                    <a:p>
-                      <a:pPr rtl="0">
-                        <a:buNone/>
-                      </a:pPr>
-                      <a:r>
-                        <a:rPr lang="en-IN" sz="1000">
-                          <a:solidFill>
-                            <a:srgbClr val="1F1F1F"/>
-                          </a:solidFill>
-                          <a:effectLst/>
-                          <a:latin typeface="Google Sans Text"/>
-                        </a:rPr>
-                        <a:t>The Quality Control</a:t>
-                      </a:r>
-                    </a:p>
-                  </a:txBody>
-                  <a:tcPr marL="44145" marR="44145" marT="29430" marB="29430" anchor="ctr">
-                    <a:lnL w="7620" cap="flat" cmpd="sng" algn="ctr">
-                      <a:solidFill>
-                        <a:schemeClr val="bg1"/>
-                      </a:solidFill>
-                      <a:prstDash val="solid"/>
-                      <a:round/>
-                      <a:headEnd type="none" w="med" len="med"/>
-                      <a:tailEnd type="none" w="med" len="med"/>
-                    </a:lnL>
-                    <a:lnR w="7620" cap="flat" cmpd="sng" algn="ctr">
-                      <a:solidFill>
-                        <a:schemeClr val="bg1"/>
-                      </a:solidFill>
-                      <a:prstDash val="solid"/>
-                      <a:round/>
-                      <a:headEnd type="none" w="med" len="med"/>
-                      <a:tailEnd type="none" w="med" len="med"/>
-                    </a:lnR>
-                    <a:lnT w="7620" cap="flat" cmpd="sng" algn="ctr">
-                      <a:solidFill>
-                        <a:schemeClr val="bg1"/>
-                      </a:solidFill>
-                      <a:prstDash val="solid"/>
-                      <a:round/>
-                      <a:headEnd type="none" w="med" len="med"/>
-                      <a:tailEnd type="none" w="med" len="med"/>
-                    </a:lnT>
-                    <a:lnB w="7620" cap="flat" cmpd="sng" algn="ctr">
-                      <a:solidFill>
-                        <a:schemeClr val="bg1"/>
-                      </a:solidFill>
-                      <a:prstDash val="solid"/>
-                      <a:round/>
-                      <a:headEnd type="none" w="med" len="med"/>
-                      <a:tailEnd type="none" w="med" len="med"/>
-                    </a:lnB>
-                    <a:noFill/>
-                  </a:tcPr>
-                </a:tc>
-                <a:tc>
-                  <a:txBody>
-                    <a:bodyPr/>
-                    <a:lstStyle/>
-                    <a:p>
-                      <a:pPr rtl="0">
-                        <a:buNone/>
-                      </a:pPr>
-                      <a:r>
-                        <a:rPr lang="en-US" sz="1000" dirty="0">
-                          <a:solidFill>
-                            <a:srgbClr val="1F1F1F"/>
-                          </a:solidFill>
-                          <a:effectLst/>
-                          <a:latin typeface="Google Sans Text"/>
-                        </a:rPr>
-                        <a:t>A "fork in the road" where a function looks at the State and decides which node to go to next (e.g., "If answer is good, END; if not, REWRITE").</a:t>
-                      </a:r>
-                    </a:p>
-                  </a:txBody>
-                  <a:tcPr marL="44145" marR="44145" marT="29430" marB="29430" anchor="ctr">
-                    <a:lnL w="7620" cap="flat" cmpd="sng" algn="ctr">
-                      <a:solidFill>
-                        <a:schemeClr val="bg1"/>
-                      </a:solidFill>
-                      <a:prstDash val="solid"/>
-                      <a:round/>
-                      <a:headEnd type="none" w="med" len="med"/>
-                      <a:tailEnd type="none" w="med" len="med"/>
-                    </a:lnL>
-                    <a:lnR w="7620" cap="flat" cmpd="sng" algn="ctr">
-                      <a:solidFill>
-                        <a:schemeClr val="bg1"/>
-                      </a:solidFill>
-                      <a:prstDash val="solid"/>
-                      <a:round/>
-                      <a:headEnd type="none" w="med" len="med"/>
-                      <a:tailEnd type="none" w="med" len="med"/>
-                    </a:lnR>
-                    <a:lnT w="7620" cap="flat" cmpd="sng" algn="ctr">
-                      <a:solidFill>
-                        <a:schemeClr val="bg1"/>
-                      </a:solidFill>
-                      <a:prstDash val="solid"/>
-                      <a:round/>
-                      <a:headEnd type="none" w="med" len="med"/>
-                      <a:tailEnd type="none" w="med" len="med"/>
-                    </a:lnT>
-                    <a:lnB w="7620" cap="flat" cmpd="sng" algn="ctr">
-                      <a:solidFill>
-                        <a:schemeClr val="bg1"/>
-                      </a:solidFill>
-                      <a:prstDash val="solid"/>
-                      <a:round/>
-                      <a:headEnd type="none" w="med" len="med"/>
-                      <a:tailEnd type="none" w="med" len="med"/>
-                    </a:lnB>
-                    <a:noFill/>
-                  </a:tcPr>
-                </a:tc>
-                <a:extLst>
-                  <a:ext uri="{0D108BD9-81ED-4DB2-BD59-A6C34878D82A}">
-                    <a16:rowId xmlns:a16="http://schemas.microsoft.com/office/drawing/2014/main" val="3046601924"/>
-                  </a:ext>
-                </a:extLst>
-              </a:tr>
-            </a:tbl>
-          </a:graphicData>
-        </a:graphic>
-      </p:graphicFrame>
-    </p:spTree>
-    <p:extLst>
-      <p:ext uri="{BB962C8B-B14F-4D97-AF65-F5344CB8AC3E}">
-        <p14:creationId xmlns:p14="http://schemas.microsoft.com/office/powerpoint/2010/main" val="326344952"/>
-      </p:ext>
-    </p:extLst>
-  </p:cSld>
-  <p:clrMapOvr>
-    <a:masterClrMapping/>
-  </p:clrMapOvr>
-</p:sld>
-</file>
-
 <file path=ppt/slides/slide2.xml><?xml version="1.0" encoding="utf-8"?>
 <p:sld xmlns:a="http://schemas.openxmlformats.org/drawingml/2006/main" xmlns:r="http://schemas.openxmlformats.org/officeDocument/2006/relationships" xmlns:p="http://schemas.openxmlformats.org/presentationml/2006/main" showMasterSp="0">
   <p:cSld>
@@ -45665,37 +44466,12 @@
           </a:graphicData>
         </a:graphic>
       </p:graphicFrame>
-    </p:spTree>
-  </p:cSld>
-  <p:clrMapOvr>
-    <a:masterClrMapping/>
-  </p:clrMapOvr>
-</p:sld>
-</file>
-
-<file path=ppt/slides/slide20.xml><?xml version="1.0" encoding="utf-8"?>
-<p:sld xmlns:a="http://schemas.openxmlformats.org/drawingml/2006/main" xmlns:r="http://schemas.openxmlformats.org/officeDocument/2006/relationships" xmlns:p="http://schemas.openxmlformats.org/presentationml/2006/main">
-  <p:cSld>
-    <p:spTree>
-      <p:nvGrpSpPr>
-        <p:cNvPr id="1" name=""/>
-        <p:cNvGrpSpPr/>
-        <p:nvPr/>
-      </p:nvGrpSpPr>
-      <p:grpSpPr>
-        <a:xfrm>
-          <a:off x="0" y="0"/>
-          <a:ext cx="0" cy="0"/>
-          <a:chOff x="0" y="0"/>
-          <a:chExt cx="0" cy="0"/>
-        </a:xfrm>
-      </p:grpSpPr>
       <p:sp>
         <p:nvSpPr>
           <p:cNvPr id="2" name="Title 1">
             <a:extLst>
               <a:ext uri="{FF2B5EF4-FFF2-40B4-BE49-F238E27FC236}">
-                <a16:creationId xmlns:a16="http://schemas.microsoft.com/office/drawing/2014/main" id="{AD918EE7-2AB7-86DE-E1E7-A9A2CA117858}"/>
+                <a16:creationId xmlns:a16="http://schemas.microsoft.com/office/drawing/2014/main" id="{42D33BB7-1C7F-8A51-F8A5-DE74108C0FDC}"/>
               </a:ext>
             </a:extLst>
           </p:cNvPr>
@@ -45711,577 +44487,11 @@
           <a:bodyPr/>
           <a:lstStyle/>
           <a:p>
-            <a:r>
-              <a:rPr lang="en-US" dirty="0"/>
-              <a:t>When to use LangGraph vs. </a:t>
-            </a:r>
-            <a:r>
-              <a:rPr lang="en-US"/>
-              <a:t>LangChain</a:t>
-            </a:r>
             <a:endParaRPr lang="en-IN"/>
           </a:p>
         </p:txBody>
       </p:sp>
-      <p:sp>
-        <p:nvSpPr>
-          <p:cNvPr id="4" name="Rectangle 1">
-            <a:extLst>
-              <a:ext uri="{FF2B5EF4-FFF2-40B4-BE49-F238E27FC236}">
-                <a16:creationId xmlns:a16="http://schemas.microsoft.com/office/drawing/2014/main" id="{4D8422F8-01F2-8E38-7DD0-D81E4F965FF6}"/>
-              </a:ext>
-            </a:extLst>
-          </p:cNvPr>
-          <p:cNvSpPr>
-            <a:spLocks noGrp="1" noChangeArrowheads="1"/>
-          </p:cNvSpPr>
-          <p:nvPr>
-            <p:ph idx="1"/>
-          </p:nvPr>
-        </p:nvSpPr>
-        <p:spPr bwMode="auto">
-          <a:xfrm>
-            <a:off x="1376278" y="3250612"/>
-            <a:ext cx="8694944" cy="2782172"/>
-          </a:xfrm>
-          <a:prstGeom prst="rect">
-            <a:avLst/>
-          </a:prstGeom>
-          <a:noFill/>
-          <a:ln>
-            <a:noFill/>
-          </a:ln>
-          <a:effectLst/>
-          <a:extLst>
-            <a:ext uri="{909E8E84-426E-40DD-AFC4-6F175D3DCCD1}">
-              <a14:hiddenFill xmlns:a14="http://schemas.microsoft.com/office/drawing/2010/main">
-                <a:solidFill>
-                  <a:schemeClr val="accent1"/>
-                </a:solidFill>
-              </a14:hiddenFill>
-            </a:ext>
-            <a:ext uri="{91240B29-F687-4F45-9708-019B960494DF}">
-              <a14:hiddenLine xmlns:a14="http://schemas.microsoft.com/office/drawing/2010/main" w="9525">
-                <a:solidFill>
-                  <a:schemeClr val="tx1"/>
-                </a:solidFill>
-                <a:miter lim="800000"/>
-                <a:headEnd/>
-                <a:tailEnd/>
-              </a14:hiddenLine>
-            </a:ext>
-            <a:ext uri="{AF507438-7753-43E0-B8FC-AC1667EBCBE1}">
-              <a14:hiddenEffects xmlns:a14="http://schemas.microsoft.com/office/drawing/2010/main">
-                <a:effectLst>
-                  <a:outerShdw dist="35921" dir="2700000" algn="ctr" rotWithShape="0">
-                    <a:schemeClr val="bg2"/>
-                  </a:outerShdw>
-                </a:effectLst>
-              </a14:hiddenEffects>
-            </a:ext>
-          </a:extLst>
-        </p:spPr>
-        <p:txBody>
-          <a:bodyPr vert="horz" wrap="none" lIns="91440" tIns="0" rIns="91440" bIns="45720" numCol="1" anchor="ctr" anchorCtr="0" compatLnSpc="1">
-            <a:prstTxWarp prst="textNoShape">
-              <a:avLst/>
-            </a:prstTxWarp>
-            <a:spAutoFit/>
-          </a:bodyPr>
-          <a:lstStyle/>
-          <a:p>
-            <a:pPr marL="0" marR="0" lvl="0" indent="0" algn="l" defTabSz="914400" rtl="0" eaLnBrk="0" fontAlgn="base" latinLnBrk="0" hangingPunct="0">
-              <a:lnSpc>
-                <a:spcPct val="100000"/>
-              </a:lnSpc>
-              <a:spcBef>
-                <a:spcPct val="0"/>
-              </a:spcBef>
-              <a:spcAft>
-                <a:spcPct val="0"/>
-              </a:spcAft>
-              <a:buClrTx/>
-              <a:buSzTx/>
-              <a:buFontTx/>
-              <a:buNone/>
-              <a:tabLst/>
-            </a:pPr>
-            <a:r>
-              <a:rPr kumimoji="0" lang="en-US" altLang="en-US" sz="1800" b="0" i="0" u="none" strike="noStrike" cap="none" normalizeH="0" baseline="0" dirty="0">
-                <a:ln>
-                  <a:noFill/>
-                </a:ln>
-                <a:solidFill>
-                  <a:schemeClr val="tx1"/>
-                </a:solidFill>
-                <a:effectLst/>
-                <a:latin typeface="Google Sans Text"/>
-              </a:rPr>
-              <a:t>Think of </a:t>
-            </a:r>
-            <a:r>
-              <a:rPr kumimoji="0" lang="en-US" altLang="en-US" sz="1800" b="0" i="0" u="none" strike="noStrike" cap="none" normalizeH="0" baseline="0" dirty="0" err="1">
-                <a:ln>
-                  <a:noFill/>
-                </a:ln>
-                <a:solidFill>
-                  <a:schemeClr val="tx1"/>
-                </a:solidFill>
-                <a:effectLst/>
-                <a:latin typeface="Google Sans Text"/>
-              </a:rPr>
-              <a:t>LangChain</a:t>
-            </a:r>
-            <a:r>
-              <a:rPr kumimoji="0" lang="en-US" altLang="en-US" sz="1800" b="0" i="0" u="none" strike="noStrike" cap="none" normalizeH="0" baseline="0" dirty="0">
-                <a:ln>
-                  <a:noFill/>
-                </a:ln>
-                <a:solidFill>
-                  <a:schemeClr val="tx1"/>
-                </a:solidFill>
-                <a:effectLst/>
-                <a:latin typeface="Google Sans Text"/>
-              </a:rPr>
-              <a:t> as a </a:t>
-            </a:r>
-            <a:r>
-              <a:rPr kumimoji="0" lang="en-US" altLang="en-US" sz="1800" b="1" i="0" u="none" strike="noStrike" cap="none" normalizeH="0" baseline="0" dirty="0">
-                <a:ln>
-                  <a:noFill/>
-                </a:ln>
-                <a:solidFill>
-                  <a:schemeClr val="tx1"/>
-                </a:solidFill>
-                <a:effectLst/>
-                <a:latin typeface="Google Sans Text"/>
-              </a:rPr>
-              <a:t>straight road</a:t>
-            </a:r>
-            <a:r>
-              <a:rPr kumimoji="0" lang="en-US" altLang="en-US" sz="1800" b="0" i="0" u="none" strike="noStrike" cap="none" normalizeH="0" baseline="0" dirty="0">
-                <a:ln>
-                  <a:noFill/>
-                </a:ln>
-                <a:solidFill>
-                  <a:schemeClr val="tx1"/>
-                </a:solidFill>
-                <a:effectLst/>
-                <a:latin typeface="Google Sans Text"/>
-              </a:rPr>
-              <a:t> and LangGraph as a </a:t>
-            </a:r>
-            <a:r>
-              <a:rPr kumimoji="0" lang="en-US" altLang="en-US" sz="1800" b="1" i="0" u="none" strike="noStrike" cap="none" normalizeH="0" baseline="0" dirty="0">
-                <a:ln>
-                  <a:noFill/>
-                </a:ln>
-                <a:solidFill>
-                  <a:schemeClr val="tx1"/>
-                </a:solidFill>
-                <a:effectLst/>
-                <a:latin typeface="Google Sans Text"/>
-              </a:rPr>
-              <a:t>roundabout</a:t>
-            </a:r>
-            <a:r>
-              <a:rPr kumimoji="0" lang="en-US" altLang="en-US" sz="1800" b="0" i="0" u="none" strike="noStrike" cap="none" normalizeH="0" baseline="0" dirty="0">
-                <a:ln>
-                  <a:noFill/>
-                </a:ln>
-                <a:solidFill>
-                  <a:schemeClr val="tx1"/>
-                </a:solidFill>
-                <a:effectLst/>
-                <a:latin typeface="Google Sans Text"/>
-              </a:rPr>
-              <a:t>.</a:t>
-            </a:r>
-            <a:endParaRPr kumimoji="0" lang="en-US" altLang="en-US" sz="1800" b="0" i="0" u="none" strike="noStrike" cap="none" normalizeH="0" baseline="0" dirty="0">
-              <a:ln>
-                <a:noFill/>
-              </a:ln>
-              <a:solidFill>
-                <a:schemeClr val="tx1"/>
-              </a:solidFill>
-              <a:effectLst/>
-            </a:endParaRPr>
-          </a:p>
-          <a:p>
-            <a:pPr marL="0" marR="0" lvl="0" indent="0" algn="l" defTabSz="914400" rtl="0" eaLnBrk="0" fontAlgn="base" latinLnBrk="0" hangingPunct="0">
-              <a:lnSpc>
-                <a:spcPct val="100000"/>
-              </a:lnSpc>
-              <a:spcBef>
-                <a:spcPct val="0"/>
-              </a:spcBef>
-              <a:spcAft>
-                <a:spcPct val="0"/>
-              </a:spcAft>
-              <a:buClrTx/>
-              <a:buSzTx/>
-              <a:buFontTx/>
-              <a:buChar char="•"/>
-              <a:tabLst/>
-            </a:pPr>
-            <a:r>
-              <a:rPr kumimoji="0" lang="en-US" altLang="en-US" sz="1800" b="1" i="0" u="none" strike="noStrike" cap="none" normalizeH="0" baseline="0" dirty="0">
-                <a:ln>
-                  <a:noFill/>
-                </a:ln>
-                <a:solidFill>
-                  <a:schemeClr val="tx1"/>
-                </a:solidFill>
-                <a:effectLst/>
-                <a:latin typeface="Google Sans Text"/>
-              </a:rPr>
-              <a:t>Use </a:t>
-            </a:r>
-            <a:r>
-              <a:rPr kumimoji="0" lang="en-US" altLang="en-US" sz="1800" b="1" i="0" u="none" strike="noStrike" cap="none" normalizeH="0" baseline="0" dirty="0" err="1">
-                <a:ln>
-                  <a:noFill/>
-                </a:ln>
-                <a:solidFill>
-                  <a:schemeClr val="tx1"/>
-                </a:solidFill>
-                <a:effectLst/>
-                <a:latin typeface="Google Sans Text"/>
-              </a:rPr>
-              <a:t>LangChain</a:t>
-            </a:r>
-            <a:r>
-              <a:rPr kumimoji="0" lang="en-US" altLang="en-US" sz="1800" b="0" i="0" u="none" strike="noStrike" cap="none" normalizeH="0" baseline="0" dirty="0">
-                <a:ln>
-                  <a:noFill/>
-                </a:ln>
-                <a:solidFill>
-                  <a:schemeClr val="tx1"/>
-                </a:solidFill>
-                <a:effectLst/>
-                <a:latin typeface="Google Sans Text"/>
-              </a:rPr>
-              <a:t> for simple, linear tasks:</a:t>
-            </a:r>
-          </a:p>
-          <a:p>
-            <a:pPr marL="457200" marR="0" lvl="1" indent="0" algn="l" defTabSz="914400" rtl="0" eaLnBrk="0" fontAlgn="base" latinLnBrk="0" hangingPunct="0">
-              <a:lnSpc>
-                <a:spcPct val="100000"/>
-              </a:lnSpc>
-              <a:spcBef>
-                <a:spcPct val="0"/>
-              </a:spcBef>
-              <a:spcAft>
-                <a:spcPct val="0"/>
-              </a:spcAft>
-              <a:buClrTx/>
-              <a:buSzTx/>
-              <a:buFontTx/>
-              <a:buChar char="•"/>
-              <a:tabLst/>
-            </a:pPr>
-            <a:r>
-              <a:rPr kumimoji="0" lang="en-US" altLang="en-US" sz="1800" b="0" i="1" u="none" strike="noStrike" cap="none" normalizeH="0" baseline="0" dirty="0">
-                <a:ln>
-                  <a:noFill/>
-                </a:ln>
-                <a:solidFill>
-                  <a:schemeClr val="tx1"/>
-                </a:solidFill>
-                <a:effectLst/>
-                <a:latin typeface="Google Sans Text"/>
-              </a:rPr>
-              <a:t>.</a:t>
-            </a:r>
-            <a:endParaRPr kumimoji="0" lang="en-US" altLang="en-US" sz="1800" b="0" i="0" u="none" strike="noStrike" cap="none" normalizeH="0" baseline="0" dirty="0">
-              <a:ln>
-                <a:noFill/>
-              </a:ln>
-              <a:solidFill>
-                <a:schemeClr val="tx1"/>
-              </a:solidFill>
-              <a:effectLst/>
-              <a:latin typeface="Google Sans Text"/>
-            </a:endParaRPr>
-          </a:p>
-          <a:p>
-            <a:pPr marL="0" marR="0" lvl="0" indent="0" algn="l" defTabSz="914400" rtl="0" eaLnBrk="0" fontAlgn="base" latinLnBrk="0" hangingPunct="0">
-              <a:lnSpc>
-                <a:spcPct val="100000"/>
-              </a:lnSpc>
-              <a:spcBef>
-                <a:spcPct val="0"/>
-              </a:spcBef>
-              <a:spcAft>
-                <a:spcPct val="0"/>
-              </a:spcAft>
-              <a:buClrTx/>
-              <a:buSzTx/>
-              <a:buFontTx/>
-              <a:buChar char="•"/>
-              <a:tabLst/>
-            </a:pPr>
-            <a:r>
-              <a:rPr kumimoji="0" lang="en-US" altLang="en-US" sz="1800" b="1" i="0" u="none" strike="noStrike" cap="none" normalizeH="0" baseline="0" dirty="0">
-                <a:ln>
-                  <a:noFill/>
-                </a:ln>
-                <a:solidFill>
-                  <a:schemeClr val="tx1"/>
-                </a:solidFill>
-                <a:effectLst/>
-                <a:latin typeface="Google Sans Text"/>
-              </a:rPr>
-              <a:t>Use LangGraph</a:t>
-            </a:r>
-            <a:r>
-              <a:rPr kumimoji="0" lang="en-US" altLang="en-US" sz="1800" b="0" i="0" u="none" strike="noStrike" cap="none" normalizeH="0" baseline="0" dirty="0">
-                <a:ln>
-                  <a:noFill/>
-                </a:ln>
-                <a:solidFill>
-                  <a:schemeClr val="tx1"/>
-                </a:solidFill>
-                <a:effectLst/>
-                <a:latin typeface="Google Sans Text"/>
-              </a:rPr>
-              <a:t> for autonomous, iterative tasks:</a:t>
-            </a:r>
-          </a:p>
-          <a:p>
-            <a:pPr marL="457200" marR="0" lvl="1" indent="0" algn="l" defTabSz="914400" rtl="0" eaLnBrk="0" fontAlgn="base" latinLnBrk="0" hangingPunct="0">
-              <a:lnSpc>
-                <a:spcPct val="100000"/>
-              </a:lnSpc>
-              <a:spcBef>
-                <a:spcPct val="0"/>
-              </a:spcBef>
-              <a:spcAft>
-                <a:spcPct val="0"/>
-              </a:spcAft>
-              <a:buClrTx/>
-              <a:buSzTx/>
-              <a:buFontTx/>
-              <a:buChar char="•"/>
-              <a:tabLst/>
-            </a:pPr>
-            <a:r>
-              <a:rPr kumimoji="0" lang="en-US" altLang="en-US" sz="1800" b="1" i="0" u="none" strike="noStrike" cap="none" normalizeH="0" baseline="0" dirty="0">
-                <a:ln>
-                  <a:noFill/>
-                </a:ln>
-                <a:solidFill>
-                  <a:schemeClr val="tx1"/>
-                </a:solidFill>
-                <a:effectLst/>
-                <a:latin typeface="Google Sans Text"/>
-              </a:rPr>
-              <a:t>Self-Correction:</a:t>
-            </a:r>
-            <a:r>
-              <a:rPr kumimoji="0" lang="en-US" altLang="en-US" sz="1800" b="0" i="0" u="none" strike="noStrike" cap="none" normalizeH="0" baseline="0" dirty="0">
-                <a:ln>
-                  <a:noFill/>
-                </a:ln>
-                <a:solidFill>
-                  <a:schemeClr val="tx1"/>
-                </a:solidFill>
-                <a:effectLst/>
-                <a:latin typeface="Google Sans Text"/>
-              </a:rPr>
-              <a:t> The LLM writes code, runs it, sees an error, and loops back to fix it.</a:t>
-            </a:r>
-          </a:p>
-          <a:p>
-            <a:pPr marL="457200" marR="0" lvl="1" indent="0" algn="l" defTabSz="914400" rtl="0" eaLnBrk="0" fontAlgn="base" latinLnBrk="0" hangingPunct="0">
-              <a:lnSpc>
-                <a:spcPct val="100000"/>
-              </a:lnSpc>
-              <a:spcBef>
-                <a:spcPct val="0"/>
-              </a:spcBef>
-              <a:spcAft>
-                <a:spcPct val="0"/>
-              </a:spcAft>
-              <a:buClrTx/>
-              <a:buSzTx/>
-              <a:buFontTx/>
-              <a:buChar char="•"/>
-              <a:tabLst/>
-            </a:pPr>
-            <a:r>
-              <a:rPr kumimoji="0" lang="en-US" altLang="en-US" sz="1800" b="1" i="0" u="none" strike="noStrike" cap="none" normalizeH="0" baseline="0" dirty="0">
-                <a:ln>
-                  <a:noFill/>
-                </a:ln>
-                <a:solidFill>
-                  <a:schemeClr val="tx1"/>
-                </a:solidFill>
-                <a:effectLst/>
-                <a:latin typeface="Google Sans Text"/>
-              </a:rPr>
-              <a:t>Multi-Agent:</a:t>
-            </a:r>
-            <a:r>
-              <a:rPr kumimoji="0" lang="en-US" altLang="en-US" sz="1800" b="0" i="0" u="none" strike="noStrike" cap="none" normalizeH="0" baseline="0" dirty="0">
-                <a:ln>
-                  <a:noFill/>
-                </a:ln>
-                <a:solidFill>
-                  <a:schemeClr val="tx1"/>
-                </a:solidFill>
-                <a:effectLst/>
-                <a:latin typeface="Google Sans Text"/>
-              </a:rPr>
-              <a:t> One agent plans a trip, and another agent checks flight prices,</a:t>
-            </a:r>
-          </a:p>
-          <a:p>
-            <a:pPr marL="457200" marR="0" lvl="1" indent="0" algn="l" defTabSz="914400" rtl="0" eaLnBrk="0" fontAlgn="base" latinLnBrk="0" hangingPunct="0">
-              <a:lnSpc>
-                <a:spcPct val="100000"/>
-              </a:lnSpc>
-              <a:spcBef>
-                <a:spcPct val="0"/>
-              </a:spcBef>
-              <a:spcAft>
-                <a:spcPct val="0"/>
-              </a:spcAft>
-              <a:buClrTx/>
-              <a:buSzTx/>
-              <a:buNone/>
-              <a:tabLst/>
-            </a:pPr>
-            <a:r>
-              <a:rPr lang="en-US" altLang="en-US" sz="1800" dirty="0">
-                <a:solidFill>
-                  <a:schemeClr val="tx1"/>
-                </a:solidFill>
-                <a:latin typeface="Google Sans Text"/>
-              </a:rPr>
-              <a:t>	</a:t>
-            </a:r>
-            <a:r>
-              <a:rPr kumimoji="0" lang="en-US" altLang="en-US" sz="1800" b="0" i="0" u="none" strike="noStrike" cap="none" normalizeH="0" baseline="0" dirty="0">
-                <a:ln>
-                  <a:noFill/>
-                </a:ln>
-                <a:solidFill>
-                  <a:schemeClr val="tx1"/>
-                </a:solidFill>
-                <a:effectLst/>
-                <a:latin typeface="Google Sans Text"/>
-              </a:rPr>
-              <a:t> communicating back and forth until a budget is met.</a:t>
-            </a:r>
-          </a:p>
-          <a:p>
-            <a:pPr marL="457200" marR="0" lvl="1" indent="0" algn="l" defTabSz="914400" rtl="0" eaLnBrk="0" fontAlgn="base" latinLnBrk="0" hangingPunct="0">
-              <a:lnSpc>
-                <a:spcPct val="100000"/>
-              </a:lnSpc>
-              <a:spcBef>
-                <a:spcPct val="0"/>
-              </a:spcBef>
-              <a:spcAft>
-                <a:spcPct val="0"/>
-              </a:spcAft>
-              <a:buClrTx/>
-              <a:buSzTx/>
-              <a:buFontTx/>
-              <a:buChar char="•"/>
-              <a:tabLst/>
-            </a:pPr>
-            <a:r>
-              <a:rPr kumimoji="0" lang="en-US" altLang="en-US" sz="1800" b="1" i="0" u="none" strike="noStrike" cap="none" normalizeH="0" baseline="0" dirty="0">
-                <a:ln>
-                  <a:noFill/>
-                </a:ln>
-                <a:solidFill>
-                  <a:schemeClr val="tx1"/>
-                </a:solidFill>
-                <a:effectLst/>
-                <a:latin typeface="Google Sans Text"/>
-              </a:rPr>
-              <a:t>Human-in-the-loop:</a:t>
-            </a:r>
-            <a:r>
-              <a:rPr kumimoji="0" lang="en-US" altLang="en-US" sz="1800" b="0" i="0" u="none" strike="noStrike" cap="none" normalizeH="0" baseline="0" dirty="0">
-                <a:ln>
-                  <a:noFill/>
-                </a:ln>
-                <a:solidFill>
-                  <a:schemeClr val="tx1"/>
-                </a:solidFill>
-                <a:effectLst/>
-                <a:latin typeface="Google Sans Text"/>
-              </a:rPr>
-              <a:t> </a:t>
-            </a:r>
-          </a:p>
-          <a:p>
-            <a:pPr marL="960988" lvl="2" indent="0" defTabSz="914400" eaLnBrk="0" fontAlgn="base" hangingPunct="0">
-              <a:spcBef>
-                <a:spcPct val="0"/>
-              </a:spcBef>
-              <a:spcAft>
-                <a:spcPct val="0"/>
-              </a:spcAft>
-              <a:buClrTx/>
-              <a:buSzTx/>
-              <a:buNone/>
-            </a:pPr>
-            <a:r>
-              <a:rPr kumimoji="0" lang="en-US" altLang="en-US" sz="1579" b="0" i="0" u="none" strike="noStrike" cap="none" normalizeH="0" baseline="0" dirty="0">
-                <a:ln>
-                  <a:noFill/>
-                </a:ln>
-                <a:solidFill>
-                  <a:schemeClr val="tx1"/>
-                </a:solidFill>
-                <a:effectLst/>
-                <a:latin typeface="Google Sans Text"/>
-              </a:rPr>
-              <a:t>The agent pauses execution to wait for a human to click "Approve" before sending an email.</a:t>
-            </a:r>
-          </a:p>
-          <a:p>
-            <a:pPr marL="0" marR="0" lvl="0" indent="0" algn="l" defTabSz="914400" rtl="0" eaLnBrk="0" fontAlgn="base" latinLnBrk="0" hangingPunct="0">
-              <a:lnSpc>
-                <a:spcPct val="100000"/>
-              </a:lnSpc>
-              <a:spcBef>
-                <a:spcPct val="0"/>
-              </a:spcBef>
-              <a:spcAft>
-                <a:spcPct val="0"/>
-              </a:spcAft>
-              <a:buClrTx/>
-              <a:buSzTx/>
-              <a:buFontTx/>
-              <a:buNone/>
-              <a:tabLst/>
-            </a:pPr>
-            <a:endParaRPr kumimoji="0" lang="en-US" altLang="en-US" sz="1800" b="0" i="0" u="none" strike="noStrike" cap="none" normalizeH="0" baseline="0" dirty="0">
-              <a:ln>
-                <a:noFill/>
-              </a:ln>
-              <a:solidFill>
-                <a:schemeClr val="tx1"/>
-              </a:solidFill>
-              <a:effectLst/>
-              <a:latin typeface="Arial" panose="020B0604020202020204" pitchFamily="34" charset="0"/>
-            </a:endParaRPr>
-          </a:p>
-        </p:txBody>
-      </p:sp>
     </p:spTree>
-    <p:extLst>
-      <p:ext uri="{BB962C8B-B14F-4D97-AF65-F5344CB8AC3E}">
-        <p14:creationId xmlns:p14="http://schemas.microsoft.com/office/powerpoint/2010/main" val="2422949416"/>
-      </p:ext>
-    </p:extLst>
   </p:cSld>
   <p:clrMapOvr>
     <a:masterClrMapping/>
@@ -46341,17 +44551,17 @@
             <a:graphicFrameLocks noGrp="1"/>
           </p:cNvGraphicFramePr>
           <p:nvPr>
-            <p:ph idx="1"/>
+            <p:ph idx="4294967295"/>
             <p:extLst>
               <p:ext uri="{D42A27DB-BD31-4B8C-83A1-F6EECF244321}">
-                <p14:modId xmlns:p14="http://schemas.microsoft.com/office/powerpoint/2010/main" val="1862868393"/>
+                <p14:modId xmlns:p14="http://schemas.microsoft.com/office/powerpoint/2010/main" val="3950830456"/>
               </p:ext>
             </p:extLst>
           </p:nvPr>
         </p:nvGraphicFramePr>
         <p:xfrm>
-          <a:off x="1376363" y="2743200"/>
-          <a:ext cx="7950200" cy="3795713"/>
+          <a:off x="1376821" y="2254250"/>
+          <a:ext cx="7950200" cy="3795712"/>
         </p:xfrm>
         <a:graphic>
           <a:graphicData uri="http://schemas.openxmlformats.org/drawingml/2006/diagram">
@@ -46419,16 +44629,16 @@
             <a:graphicFrameLocks noGrp="1"/>
           </p:cNvGraphicFramePr>
           <p:nvPr>
-            <p:ph idx="1"/>
+            <p:ph idx="4294967295"/>
             <p:extLst>
               <p:ext uri="{D42A27DB-BD31-4B8C-83A1-F6EECF244321}">
-                <p14:modId xmlns:p14="http://schemas.microsoft.com/office/powerpoint/2010/main" val="761542638"/>
+                <p14:modId xmlns:p14="http://schemas.microsoft.com/office/powerpoint/2010/main" val="1463848244"/>
               </p:ext>
             </p:extLst>
           </p:nvPr>
         </p:nvGraphicFramePr>
         <p:xfrm>
-          <a:off x="1376363" y="2743200"/>
+          <a:off x="1079500" y="2445234"/>
           <a:ext cx="7950200" cy="3795713"/>
         </p:xfrm>
         <a:graphic>
@@ -46497,16 +44707,16 @@
             <a:graphicFrameLocks noGrp="1"/>
           </p:cNvGraphicFramePr>
           <p:nvPr>
-            <p:ph idx="1"/>
+            <p:ph idx="4294967295"/>
             <p:extLst>
               <p:ext uri="{D42A27DB-BD31-4B8C-83A1-F6EECF244321}">
-                <p14:modId xmlns:p14="http://schemas.microsoft.com/office/powerpoint/2010/main" val="760650021"/>
+                <p14:modId xmlns:p14="http://schemas.microsoft.com/office/powerpoint/2010/main" val="211607145"/>
               </p:ext>
             </p:extLst>
           </p:nvPr>
         </p:nvGraphicFramePr>
         <p:xfrm>
-          <a:off x="1376363" y="2743200"/>
+          <a:off x="1231900" y="2559050"/>
           <a:ext cx="7950200" cy="3795713"/>
         </p:xfrm>
         <a:graphic>
@@ -46559,31 +44769,6 @@
               <a:rPr dirty="0"/>
               <a:t>Agent Loop Diagram</a:t>
             </a:r>
-          </a:p>
-        </p:txBody>
-      </p:sp>
-      <p:sp>
-        <p:nvSpPr>
-          <p:cNvPr id="10" name="Content Placeholder 9">
-            <a:extLst>
-              <a:ext uri="{FF2B5EF4-FFF2-40B4-BE49-F238E27FC236}">
-                <a16:creationId xmlns:a16="http://schemas.microsoft.com/office/drawing/2014/main" id="{83F657DD-B258-EC2E-A1F5-FEE45BEEA431}"/>
-              </a:ext>
-            </a:extLst>
-          </p:cNvPr>
-          <p:cNvSpPr>
-            <a:spLocks noGrp="1"/>
-          </p:cNvSpPr>
-          <p:nvPr>
-            <p:ph idx="1"/>
-          </p:nvPr>
-        </p:nvSpPr>
-        <p:spPr/>
-        <p:txBody>
-          <a:bodyPr/>
-          <a:lstStyle/>
-          <a:p>
-            <a:endParaRPr lang="en-IN"/>
           </a:p>
         </p:txBody>
       </p:sp>
@@ -46921,17 +45106,17 @@
             <a:graphicFrameLocks noGrp="1"/>
           </p:cNvGraphicFramePr>
           <p:nvPr>
-            <p:ph idx="1"/>
+            <p:ph idx="4294967295"/>
             <p:extLst>
               <p:ext uri="{D42A27DB-BD31-4B8C-83A1-F6EECF244321}">
-                <p14:modId xmlns:p14="http://schemas.microsoft.com/office/powerpoint/2010/main" val="473421449"/>
+                <p14:modId xmlns:p14="http://schemas.microsoft.com/office/powerpoint/2010/main" val="886389595"/>
               </p:ext>
             </p:extLst>
           </p:nvPr>
         </p:nvGraphicFramePr>
         <p:xfrm>
-          <a:off x="1376363" y="2743200"/>
-          <a:ext cx="7950200" cy="3795713"/>
+          <a:off x="1376821" y="2101850"/>
+          <a:ext cx="7950200" cy="3795712"/>
         </p:xfrm>
         <a:graphic>
           <a:graphicData uri="http://schemas.openxmlformats.org/drawingml/2006/diagram">
@@ -46999,16 +45184,16 @@
             <a:graphicFrameLocks noGrp="1"/>
           </p:cNvGraphicFramePr>
           <p:nvPr>
-            <p:ph idx="1"/>
+            <p:ph idx="4294967295"/>
             <p:extLst>
               <p:ext uri="{D42A27DB-BD31-4B8C-83A1-F6EECF244321}">
-                <p14:modId xmlns:p14="http://schemas.microsoft.com/office/powerpoint/2010/main" val="2797751630"/>
+                <p14:modId xmlns:p14="http://schemas.microsoft.com/office/powerpoint/2010/main" val="541389800"/>
               </p:ext>
             </p:extLst>
           </p:nvPr>
         </p:nvGraphicFramePr>
         <p:xfrm>
-          <a:off x="1376363" y="2743200"/>
+          <a:off x="1302741" y="2178050"/>
           <a:ext cx="7950200" cy="3795713"/>
         </p:xfrm>
         <a:graphic>
@@ -47081,16 +45266,16 @@
             <a:graphicFrameLocks noGrp="1"/>
           </p:cNvGraphicFramePr>
           <p:nvPr>
-            <p:ph idx="1"/>
+            <p:ph idx="4294967295"/>
             <p:extLst>
               <p:ext uri="{D42A27DB-BD31-4B8C-83A1-F6EECF244321}">
-                <p14:modId xmlns:p14="http://schemas.microsoft.com/office/powerpoint/2010/main" val="1581734776"/>
+                <p14:modId xmlns:p14="http://schemas.microsoft.com/office/powerpoint/2010/main" val="2674932550"/>
               </p:ext>
             </p:extLst>
           </p:nvPr>
         </p:nvGraphicFramePr>
         <p:xfrm>
-          <a:off x="1376363" y="2743200"/>
+          <a:off x="1376821" y="2330450"/>
           <a:ext cx="7950200" cy="3795713"/>
         </p:xfrm>
         <a:graphic>
